--- a/documentation/State Diagram.pptx
+++ b/documentation/State Diagram.pptx
@@ -306,7 +306,7 @@
               <a:spcBef>
                 <a:spcPts val="0"/>
               </a:spcBef>
-              <a:buSzPct val="100000"/>
+              <a:buSzPts val="1100"/>
               <a:buChar char="●"/>
               <a:defRPr sz="1100"/>
             </a:lvl1pPr>
@@ -314,7 +314,7 @@
               <a:spcBef>
                 <a:spcPts val="0"/>
               </a:spcBef>
-              <a:buSzPct val="100000"/>
+              <a:buSzPts val="1100"/>
               <a:buChar char="○"/>
               <a:defRPr sz="1100"/>
             </a:lvl2pPr>
@@ -322,7 +322,7 @@
               <a:spcBef>
                 <a:spcPts val="0"/>
               </a:spcBef>
-              <a:buSzPct val="100000"/>
+              <a:buSzPts val="1100"/>
               <a:buChar char="■"/>
               <a:defRPr sz="1100"/>
             </a:lvl3pPr>
@@ -330,7 +330,7 @@
               <a:spcBef>
                 <a:spcPts val="0"/>
               </a:spcBef>
-              <a:buSzPct val="100000"/>
+              <a:buSzPts val="1100"/>
               <a:buChar char="●"/>
               <a:defRPr sz="1100"/>
             </a:lvl4pPr>
@@ -338,7 +338,7 @@
               <a:spcBef>
                 <a:spcPts val="0"/>
               </a:spcBef>
-              <a:buSzPct val="100000"/>
+              <a:buSzPts val="1100"/>
               <a:buChar char="○"/>
               <a:defRPr sz="1100"/>
             </a:lvl5pPr>
@@ -346,7 +346,7 @@
               <a:spcBef>
                 <a:spcPts val="0"/>
               </a:spcBef>
-              <a:buSzPct val="100000"/>
+              <a:buSzPts val="1100"/>
               <a:buChar char="■"/>
               <a:defRPr sz="1100"/>
             </a:lvl6pPr>
@@ -354,7 +354,7 @@
               <a:spcBef>
                 <a:spcPts val="0"/>
               </a:spcBef>
-              <a:buSzPct val="100000"/>
+              <a:buSzPts val="1100"/>
               <a:buChar char="●"/>
               <a:defRPr sz="1100"/>
             </a:lvl7pPr>
@@ -362,7 +362,7 @@
               <a:spcBef>
                 <a:spcPts val="0"/>
               </a:spcBef>
-              <a:buSzPct val="100000"/>
+              <a:buSzPts val="1100"/>
               <a:buChar char="○"/>
               <a:defRPr sz="1100"/>
             </a:lvl8pPr>
@@ -370,7 +370,7 @@
               <a:spcBef>
                 <a:spcPts val="0"/>
               </a:spcBef>
-              <a:buSzPct val="100000"/>
+              <a:buSzPts val="1100"/>
               <a:buChar char="■"/>
               <a:defRPr sz="1100"/>
             </a:lvl9pPr>
@@ -458,7 +458,7 @@
           </a:bodyPr>
           <a:lstStyle/>
           <a:p>
-            <a:pPr lvl="0">
+            <a:pPr indent="0" lvl="0" marL="0">
               <a:spcBef>
                 <a:spcPts val="0"/>
               </a:spcBef>
@@ -520,63 +520,72 @@
               <a:spcBef>
                 <a:spcPts val="0"/>
               </a:spcBef>
-              <a:buSzPct val="100000"/>
+              <a:buSzPts val="5200"/>
+              <a:buNone/>
               <a:defRPr sz="5200"/>
             </a:lvl1pPr>
             <a:lvl2pPr lvl="1" algn="ctr">
               <a:spcBef>
                 <a:spcPts val="0"/>
               </a:spcBef>
-              <a:buSzPct val="100000"/>
+              <a:buSzPts val="5200"/>
+              <a:buNone/>
               <a:defRPr sz="5200"/>
             </a:lvl2pPr>
             <a:lvl3pPr lvl="2" algn="ctr">
               <a:spcBef>
                 <a:spcPts val="0"/>
               </a:spcBef>
-              <a:buSzPct val="100000"/>
+              <a:buSzPts val="5200"/>
+              <a:buNone/>
               <a:defRPr sz="5200"/>
             </a:lvl3pPr>
             <a:lvl4pPr lvl="3" algn="ctr">
               <a:spcBef>
                 <a:spcPts val="0"/>
               </a:spcBef>
-              <a:buSzPct val="100000"/>
+              <a:buSzPts val="5200"/>
+              <a:buNone/>
               <a:defRPr sz="5200"/>
             </a:lvl4pPr>
             <a:lvl5pPr lvl="4" algn="ctr">
               <a:spcBef>
                 <a:spcPts val="0"/>
               </a:spcBef>
-              <a:buSzPct val="100000"/>
+              <a:buSzPts val="5200"/>
+              <a:buNone/>
               <a:defRPr sz="5200"/>
             </a:lvl5pPr>
             <a:lvl6pPr lvl="5" algn="ctr">
               <a:spcBef>
                 <a:spcPts val="0"/>
               </a:spcBef>
-              <a:buSzPct val="100000"/>
+              <a:buSzPts val="5200"/>
+              <a:buNone/>
               <a:defRPr sz="5200"/>
             </a:lvl6pPr>
             <a:lvl7pPr lvl="6" algn="ctr">
               <a:spcBef>
                 <a:spcPts val="0"/>
               </a:spcBef>
-              <a:buSzPct val="100000"/>
+              <a:buSzPts val="5200"/>
+              <a:buNone/>
               <a:defRPr sz="5200"/>
             </a:lvl7pPr>
             <a:lvl8pPr lvl="7" algn="ctr">
               <a:spcBef>
                 <a:spcPts val="0"/>
               </a:spcBef>
-              <a:buSzPct val="100000"/>
+              <a:buSzPts val="5200"/>
+              <a:buNone/>
               <a:defRPr sz="5200"/>
             </a:lvl8pPr>
             <a:lvl9pPr lvl="8" algn="ctr">
               <a:spcBef>
                 <a:spcPts val="0"/>
               </a:spcBef>
-              <a:buSzPct val="100000"/>
+              <a:buSzPts val="5200"/>
+              <a:buNone/>
               <a:defRPr sz="5200"/>
             </a:lvl9pPr>
           </a:lstStyle>
@@ -613,7 +622,7 @@
               <a:spcAft>
                 <a:spcPts val="0"/>
               </a:spcAft>
-              <a:buSzPct val="100000"/>
+              <a:buSzPts val="2800"/>
               <a:buNone/>
               <a:defRPr sz="2800"/>
             </a:lvl1pPr>
@@ -627,7 +636,7 @@
               <a:spcAft>
                 <a:spcPts val="0"/>
               </a:spcAft>
-              <a:buSzPct val="100000"/>
+              <a:buSzPts val="2800"/>
               <a:buNone/>
               <a:defRPr sz="2800"/>
             </a:lvl2pPr>
@@ -641,7 +650,7 @@
               <a:spcAft>
                 <a:spcPts val="0"/>
               </a:spcAft>
-              <a:buSzPct val="100000"/>
+              <a:buSzPts val="2800"/>
               <a:buNone/>
               <a:defRPr sz="2800"/>
             </a:lvl3pPr>
@@ -655,7 +664,7 @@
               <a:spcAft>
                 <a:spcPts val="0"/>
               </a:spcAft>
-              <a:buSzPct val="100000"/>
+              <a:buSzPts val="2800"/>
               <a:buNone/>
               <a:defRPr sz="2800"/>
             </a:lvl4pPr>
@@ -669,7 +678,7 @@
               <a:spcAft>
                 <a:spcPts val="0"/>
               </a:spcAft>
-              <a:buSzPct val="100000"/>
+              <a:buSzPts val="2800"/>
               <a:buNone/>
               <a:defRPr sz="2800"/>
             </a:lvl5pPr>
@@ -683,7 +692,7 @@
               <a:spcAft>
                 <a:spcPts val="0"/>
               </a:spcAft>
-              <a:buSzPct val="100000"/>
+              <a:buSzPts val="2800"/>
               <a:buNone/>
               <a:defRPr sz="2800"/>
             </a:lvl6pPr>
@@ -697,7 +706,7 @@
               <a:spcAft>
                 <a:spcPts val="0"/>
               </a:spcAft>
-              <a:buSzPct val="100000"/>
+              <a:buSzPts val="2800"/>
               <a:buNone/>
               <a:defRPr sz="2800"/>
             </a:lvl7pPr>
@@ -711,7 +720,7 @@
               <a:spcAft>
                 <a:spcPts val="0"/>
               </a:spcAft>
-              <a:buSzPct val="100000"/>
+              <a:buSzPts val="2800"/>
               <a:buNone/>
               <a:defRPr sz="2800"/>
             </a:lvl8pPr>
@@ -725,7 +734,7 @@
               <a:spcAft>
                 <a:spcPts val="0"/>
               </a:spcAft>
-              <a:buSzPct val="100000"/>
+              <a:buSzPts val="2800"/>
               <a:buNone/>
               <a:defRPr sz="2800"/>
             </a:lvl9pPr>
@@ -756,7 +765,7 @@
           </a:bodyPr>
           <a:lstStyle/>
           <a:p>
-            <a:pPr lvl="0">
+            <a:pPr indent="0" lvl="0" marL="0">
               <a:spcBef>
                 <a:spcPts val="0"/>
               </a:spcBef>
@@ -818,63 +827,72 @@
               <a:spcBef>
                 <a:spcPts val="0"/>
               </a:spcBef>
-              <a:buSzPct val="100000"/>
+              <a:buSzPts val="12000"/>
+              <a:buNone/>
               <a:defRPr sz="12000"/>
             </a:lvl1pPr>
             <a:lvl2pPr lvl="1" algn="ctr">
               <a:spcBef>
                 <a:spcPts val="0"/>
               </a:spcBef>
-              <a:buSzPct val="100000"/>
+              <a:buSzPts val="12000"/>
+              <a:buNone/>
               <a:defRPr sz="12000"/>
             </a:lvl2pPr>
             <a:lvl3pPr lvl="2" algn="ctr">
               <a:spcBef>
                 <a:spcPts val="0"/>
               </a:spcBef>
-              <a:buSzPct val="100000"/>
+              <a:buSzPts val="12000"/>
+              <a:buNone/>
               <a:defRPr sz="12000"/>
             </a:lvl3pPr>
             <a:lvl4pPr lvl="3" algn="ctr">
               <a:spcBef>
                 <a:spcPts val="0"/>
               </a:spcBef>
-              <a:buSzPct val="100000"/>
+              <a:buSzPts val="12000"/>
+              <a:buNone/>
               <a:defRPr sz="12000"/>
             </a:lvl4pPr>
             <a:lvl5pPr lvl="4" algn="ctr">
               <a:spcBef>
                 <a:spcPts val="0"/>
               </a:spcBef>
-              <a:buSzPct val="100000"/>
+              <a:buSzPts val="12000"/>
+              <a:buNone/>
               <a:defRPr sz="12000"/>
             </a:lvl5pPr>
             <a:lvl6pPr lvl="5" algn="ctr">
               <a:spcBef>
                 <a:spcPts val="0"/>
               </a:spcBef>
-              <a:buSzPct val="100000"/>
+              <a:buSzPts val="12000"/>
+              <a:buNone/>
               <a:defRPr sz="12000"/>
             </a:lvl6pPr>
             <a:lvl7pPr lvl="6" algn="ctr">
               <a:spcBef>
                 <a:spcPts val="0"/>
               </a:spcBef>
-              <a:buSzPct val="100000"/>
+              <a:buSzPts val="12000"/>
+              <a:buNone/>
               <a:defRPr sz="12000"/>
             </a:lvl7pPr>
             <a:lvl8pPr lvl="7" algn="ctr">
               <a:spcBef>
                 <a:spcPts val="0"/>
               </a:spcBef>
-              <a:buSzPct val="100000"/>
+              <a:buSzPts val="12000"/>
+              <a:buNone/>
               <a:defRPr sz="12000"/>
             </a:lvl8pPr>
             <a:lvl9pPr lvl="8" algn="ctr">
               <a:spcBef>
                 <a:spcPts val="0"/>
               </a:spcBef>
-              <a:buSzPct val="100000"/>
+              <a:buSzPts val="12000"/>
+              <a:buNone/>
               <a:defRPr sz="12000"/>
             </a:lvl9pPr>
           </a:lstStyle>
@@ -905,54 +923,72 @@
               <a:spcBef>
                 <a:spcPts val="0"/>
               </a:spcBef>
+              <a:buSzPts val="1800"/>
+              <a:buChar char="●"/>
               <a:defRPr/>
             </a:lvl1pPr>
             <a:lvl2pPr lvl="1" algn="ctr">
               <a:spcBef>
                 <a:spcPts val="0"/>
               </a:spcBef>
+              <a:buSzPts val="1400"/>
+              <a:buChar char="○"/>
               <a:defRPr/>
             </a:lvl2pPr>
             <a:lvl3pPr lvl="2" algn="ctr">
               <a:spcBef>
                 <a:spcPts val="0"/>
               </a:spcBef>
+              <a:buSzPts val="1400"/>
+              <a:buChar char="■"/>
               <a:defRPr/>
             </a:lvl3pPr>
             <a:lvl4pPr lvl="3" algn="ctr">
               <a:spcBef>
                 <a:spcPts val="0"/>
               </a:spcBef>
+              <a:buSzPts val="1400"/>
+              <a:buChar char="●"/>
               <a:defRPr/>
             </a:lvl4pPr>
             <a:lvl5pPr lvl="4" algn="ctr">
               <a:spcBef>
                 <a:spcPts val="0"/>
               </a:spcBef>
+              <a:buSzPts val="1400"/>
+              <a:buChar char="○"/>
               <a:defRPr/>
             </a:lvl5pPr>
             <a:lvl6pPr lvl="5" algn="ctr">
               <a:spcBef>
                 <a:spcPts val="0"/>
               </a:spcBef>
+              <a:buSzPts val="1400"/>
+              <a:buChar char="■"/>
               <a:defRPr/>
             </a:lvl6pPr>
             <a:lvl7pPr lvl="6" algn="ctr">
               <a:spcBef>
                 <a:spcPts val="0"/>
               </a:spcBef>
+              <a:buSzPts val="1400"/>
+              <a:buChar char="●"/>
               <a:defRPr/>
             </a:lvl7pPr>
             <a:lvl8pPr lvl="7" algn="ctr">
               <a:spcBef>
                 <a:spcPts val="0"/>
               </a:spcBef>
+              <a:buSzPts val="1400"/>
+              <a:buChar char="○"/>
               <a:defRPr/>
             </a:lvl8pPr>
             <a:lvl9pPr lvl="8" algn="ctr">
               <a:spcBef>
                 <a:spcPts val="0"/>
               </a:spcBef>
+              <a:buSzPts val="1400"/>
+              <a:buChar char="■"/>
               <a:defRPr/>
             </a:lvl9pPr>
           </a:lstStyle>
@@ -982,7 +1018,7 @@
           </a:bodyPr>
           <a:lstStyle/>
           <a:p>
-            <a:pPr lvl="0">
+            <a:pPr indent="0" lvl="0" marL="0">
               <a:spcBef>
                 <a:spcPts val="0"/>
               </a:spcBef>
@@ -1043,7 +1079,7 @@
           </a:bodyPr>
           <a:lstStyle/>
           <a:p>
-            <a:pPr lvl="0">
+            <a:pPr indent="0" lvl="0" marL="0">
               <a:spcBef>
                 <a:spcPts val="0"/>
               </a:spcBef>
@@ -1105,63 +1141,72 @@
               <a:spcBef>
                 <a:spcPts val="0"/>
               </a:spcBef>
-              <a:buSzPct val="100000"/>
+              <a:buSzPts val="3600"/>
+              <a:buNone/>
               <a:defRPr sz="3600"/>
             </a:lvl1pPr>
             <a:lvl2pPr lvl="1" algn="ctr">
               <a:spcBef>
                 <a:spcPts val="0"/>
               </a:spcBef>
-              <a:buSzPct val="100000"/>
+              <a:buSzPts val="3600"/>
+              <a:buNone/>
               <a:defRPr sz="3600"/>
             </a:lvl2pPr>
             <a:lvl3pPr lvl="2" algn="ctr">
               <a:spcBef>
                 <a:spcPts val="0"/>
               </a:spcBef>
-              <a:buSzPct val="100000"/>
+              <a:buSzPts val="3600"/>
+              <a:buNone/>
               <a:defRPr sz="3600"/>
             </a:lvl3pPr>
             <a:lvl4pPr lvl="3" algn="ctr">
               <a:spcBef>
                 <a:spcPts val="0"/>
               </a:spcBef>
-              <a:buSzPct val="100000"/>
+              <a:buSzPts val="3600"/>
+              <a:buNone/>
               <a:defRPr sz="3600"/>
             </a:lvl4pPr>
             <a:lvl5pPr lvl="4" algn="ctr">
               <a:spcBef>
                 <a:spcPts val="0"/>
               </a:spcBef>
-              <a:buSzPct val="100000"/>
+              <a:buSzPts val="3600"/>
+              <a:buNone/>
               <a:defRPr sz="3600"/>
             </a:lvl5pPr>
             <a:lvl6pPr lvl="5" algn="ctr">
               <a:spcBef>
                 <a:spcPts val="0"/>
               </a:spcBef>
-              <a:buSzPct val="100000"/>
+              <a:buSzPts val="3600"/>
+              <a:buNone/>
               <a:defRPr sz="3600"/>
             </a:lvl6pPr>
             <a:lvl7pPr lvl="6" algn="ctr">
               <a:spcBef>
                 <a:spcPts val="0"/>
               </a:spcBef>
-              <a:buSzPct val="100000"/>
+              <a:buSzPts val="3600"/>
+              <a:buNone/>
               <a:defRPr sz="3600"/>
             </a:lvl7pPr>
             <a:lvl8pPr lvl="7" algn="ctr">
               <a:spcBef>
                 <a:spcPts val="0"/>
               </a:spcBef>
-              <a:buSzPct val="100000"/>
+              <a:buSzPts val="3600"/>
+              <a:buNone/>
               <a:defRPr sz="3600"/>
             </a:lvl8pPr>
             <a:lvl9pPr lvl="8" algn="ctr">
               <a:spcBef>
                 <a:spcPts val="0"/>
               </a:spcBef>
-              <a:buSzPct val="100000"/>
+              <a:buSzPts val="3600"/>
+              <a:buNone/>
               <a:defRPr sz="3600"/>
             </a:lvl9pPr>
           </a:lstStyle>
@@ -1191,7 +1236,7 @@
           </a:bodyPr>
           <a:lstStyle/>
           <a:p>
-            <a:pPr lvl="0">
+            <a:pPr indent="0" lvl="0" marL="0">
               <a:spcBef>
                 <a:spcPts val="0"/>
               </a:spcBef>
@@ -1253,54 +1298,72 @@
               <a:spcBef>
                 <a:spcPts val="0"/>
               </a:spcBef>
+              <a:buSzPts val="2800"/>
+              <a:buNone/>
               <a:defRPr/>
             </a:lvl1pPr>
             <a:lvl2pPr lvl="1">
               <a:spcBef>
                 <a:spcPts val="0"/>
               </a:spcBef>
+              <a:buSzPts val="2800"/>
+              <a:buNone/>
               <a:defRPr/>
             </a:lvl2pPr>
             <a:lvl3pPr lvl="2">
               <a:spcBef>
                 <a:spcPts val="0"/>
               </a:spcBef>
+              <a:buSzPts val="2800"/>
+              <a:buNone/>
               <a:defRPr/>
             </a:lvl3pPr>
             <a:lvl4pPr lvl="3">
               <a:spcBef>
                 <a:spcPts val="0"/>
               </a:spcBef>
+              <a:buSzPts val="2800"/>
+              <a:buNone/>
               <a:defRPr/>
             </a:lvl4pPr>
             <a:lvl5pPr lvl="4">
               <a:spcBef>
                 <a:spcPts val="0"/>
               </a:spcBef>
+              <a:buSzPts val="2800"/>
+              <a:buNone/>
               <a:defRPr/>
             </a:lvl5pPr>
             <a:lvl6pPr lvl="5">
               <a:spcBef>
                 <a:spcPts val="0"/>
               </a:spcBef>
+              <a:buSzPts val="2800"/>
+              <a:buNone/>
               <a:defRPr/>
             </a:lvl6pPr>
             <a:lvl7pPr lvl="6">
               <a:spcBef>
                 <a:spcPts val="0"/>
               </a:spcBef>
+              <a:buSzPts val="2800"/>
+              <a:buNone/>
               <a:defRPr/>
             </a:lvl7pPr>
             <a:lvl8pPr lvl="7">
               <a:spcBef>
                 <a:spcPts val="0"/>
               </a:spcBef>
+              <a:buSzPts val="2800"/>
+              <a:buNone/>
               <a:defRPr/>
             </a:lvl8pPr>
             <a:lvl9pPr lvl="8">
               <a:spcBef>
                 <a:spcPts val="0"/>
               </a:spcBef>
+              <a:buSzPts val="2800"/>
+              <a:buNone/>
               <a:defRPr/>
             </a:lvl9pPr>
           </a:lstStyle>
@@ -1331,54 +1394,72 @@
               <a:spcBef>
                 <a:spcPts val="0"/>
               </a:spcBef>
+              <a:buSzPts val="1800"/>
+              <a:buChar char="●"/>
               <a:defRPr/>
             </a:lvl1pPr>
             <a:lvl2pPr lvl="1">
               <a:spcBef>
                 <a:spcPts val="0"/>
               </a:spcBef>
+              <a:buSzPts val="1400"/>
+              <a:buChar char="○"/>
               <a:defRPr/>
             </a:lvl2pPr>
             <a:lvl3pPr lvl="2">
               <a:spcBef>
                 <a:spcPts val="0"/>
               </a:spcBef>
+              <a:buSzPts val="1400"/>
+              <a:buChar char="■"/>
               <a:defRPr/>
             </a:lvl3pPr>
             <a:lvl4pPr lvl="3">
               <a:spcBef>
                 <a:spcPts val="0"/>
               </a:spcBef>
+              <a:buSzPts val="1400"/>
+              <a:buChar char="●"/>
               <a:defRPr/>
             </a:lvl4pPr>
             <a:lvl5pPr lvl="4">
               <a:spcBef>
                 <a:spcPts val="0"/>
               </a:spcBef>
+              <a:buSzPts val="1400"/>
+              <a:buChar char="○"/>
               <a:defRPr/>
             </a:lvl5pPr>
             <a:lvl6pPr lvl="5">
               <a:spcBef>
                 <a:spcPts val="0"/>
               </a:spcBef>
+              <a:buSzPts val="1400"/>
+              <a:buChar char="■"/>
               <a:defRPr/>
             </a:lvl6pPr>
             <a:lvl7pPr lvl="6">
               <a:spcBef>
                 <a:spcPts val="0"/>
               </a:spcBef>
+              <a:buSzPts val="1400"/>
+              <a:buChar char="●"/>
               <a:defRPr/>
             </a:lvl7pPr>
             <a:lvl8pPr lvl="7">
               <a:spcBef>
                 <a:spcPts val="0"/>
               </a:spcBef>
+              <a:buSzPts val="1400"/>
+              <a:buChar char="○"/>
               <a:defRPr/>
             </a:lvl8pPr>
             <a:lvl9pPr lvl="8">
               <a:spcBef>
                 <a:spcPts val="0"/>
               </a:spcBef>
+              <a:buSzPts val="1400"/>
+              <a:buChar char="■"/>
               <a:defRPr/>
             </a:lvl9pPr>
           </a:lstStyle>
@@ -1408,7 +1489,7 @@
           </a:bodyPr>
           <a:lstStyle/>
           <a:p>
-            <a:pPr lvl="0">
+            <a:pPr indent="0" lvl="0" marL="0">
               <a:spcBef>
                 <a:spcPts val="0"/>
               </a:spcBef>
@@ -1470,54 +1551,72 @@
               <a:spcBef>
                 <a:spcPts val="0"/>
               </a:spcBef>
+              <a:buSzPts val="2800"/>
+              <a:buNone/>
               <a:defRPr/>
             </a:lvl1pPr>
             <a:lvl2pPr lvl="1">
               <a:spcBef>
                 <a:spcPts val="0"/>
               </a:spcBef>
+              <a:buSzPts val="2800"/>
+              <a:buNone/>
               <a:defRPr/>
             </a:lvl2pPr>
             <a:lvl3pPr lvl="2">
               <a:spcBef>
                 <a:spcPts val="0"/>
               </a:spcBef>
+              <a:buSzPts val="2800"/>
+              <a:buNone/>
               <a:defRPr/>
             </a:lvl3pPr>
             <a:lvl4pPr lvl="3">
               <a:spcBef>
                 <a:spcPts val="0"/>
               </a:spcBef>
+              <a:buSzPts val="2800"/>
+              <a:buNone/>
               <a:defRPr/>
             </a:lvl4pPr>
             <a:lvl5pPr lvl="4">
               <a:spcBef>
                 <a:spcPts val="0"/>
               </a:spcBef>
+              <a:buSzPts val="2800"/>
+              <a:buNone/>
               <a:defRPr/>
             </a:lvl5pPr>
             <a:lvl6pPr lvl="5">
               <a:spcBef>
                 <a:spcPts val="0"/>
               </a:spcBef>
+              <a:buSzPts val="2800"/>
+              <a:buNone/>
               <a:defRPr/>
             </a:lvl6pPr>
             <a:lvl7pPr lvl="6">
               <a:spcBef>
                 <a:spcPts val="0"/>
               </a:spcBef>
+              <a:buSzPts val="2800"/>
+              <a:buNone/>
               <a:defRPr/>
             </a:lvl7pPr>
             <a:lvl8pPr lvl="7">
               <a:spcBef>
                 <a:spcPts val="0"/>
               </a:spcBef>
+              <a:buSzPts val="2800"/>
+              <a:buNone/>
               <a:defRPr/>
             </a:lvl8pPr>
             <a:lvl9pPr lvl="8">
               <a:spcBef>
                 <a:spcPts val="0"/>
               </a:spcBef>
+              <a:buSzPts val="2800"/>
+              <a:buNone/>
               <a:defRPr/>
             </a:lvl9pPr>
           </a:lstStyle>
@@ -1548,63 +1647,72 @@
               <a:spcBef>
                 <a:spcPts val="0"/>
               </a:spcBef>
-              <a:buSzPct val="100000"/>
+              <a:buSzPts val="1400"/>
+              <a:buChar char="●"/>
               <a:defRPr sz="1400"/>
             </a:lvl1pPr>
             <a:lvl2pPr lvl="1">
               <a:spcBef>
                 <a:spcPts val="0"/>
               </a:spcBef>
-              <a:buSzPct val="100000"/>
+              <a:buSzPts val="1200"/>
+              <a:buChar char="○"/>
               <a:defRPr sz="1200"/>
             </a:lvl2pPr>
             <a:lvl3pPr lvl="2">
               <a:spcBef>
                 <a:spcPts val="0"/>
               </a:spcBef>
-              <a:buSzPct val="100000"/>
+              <a:buSzPts val="1200"/>
+              <a:buChar char="■"/>
               <a:defRPr sz="1200"/>
             </a:lvl3pPr>
             <a:lvl4pPr lvl="3">
               <a:spcBef>
                 <a:spcPts val="0"/>
               </a:spcBef>
-              <a:buSzPct val="100000"/>
+              <a:buSzPts val="1200"/>
+              <a:buChar char="●"/>
               <a:defRPr sz="1200"/>
             </a:lvl4pPr>
             <a:lvl5pPr lvl="4">
               <a:spcBef>
                 <a:spcPts val="0"/>
               </a:spcBef>
-              <a:buSzPct val="100000"/>
+              <a:buSzPts val="1200"/>
+              <a:buChar char="○"/>
               <a:defRPr sz="1200"/>
             </a:lvl5pPr>
             <a:lvl6pPr lvl="5">
               <a:spcBef>
                 <a:spcPts val="0"/>
               </a:spcBef>
-              <a:buSzPct val="100000"/>
+              <a:buSzPts val="1200"/>
+              <a:buChar char="■"/>
               <a:defRPr sz="1200"/>
             </a:lvl6pPr>
             <a:lvl7pPr lvl="6">
               <a:spcBef>
                 <a:spcPts val="0"/>
               </a:spcBef>
-              <a:buSzPct val="100000"/>
+              <a:buSzPts val="1200"/>
+              <a:buChar char="●"/>
               <a:defRPr sz="1200"/>
             </a:lvl7pPr>
             <a:lvl8pPr lvl="7">
               <a:spcBef>
                 <a:spcPts val="0"/>
               </a:spcBef>
-              <a:buSzPct val="100000"/>
+              <a:buSzPts val="1200"/>
+              <a:buChar char="○"/>
               <a:defRPr sz="1200"/>
             </a:lvl8pPr>
             <a:lvl9pPr lvl="8">
               <a:spcBef>
                 <a:spcPts val="0"/>
               </a:spcBef>
-              <a:buSzPct val="100000"/>
+              <a:buSzPts val="1200"/>
+              <a:buChar char="■"/>
               <a:defRPr sz="1200"/>
             </a:lvl9pPr>
           </a:lstStyle>
@@ -1635,63 +1743,72 @@
               <a:spcBef>
                 <a:spcPts val="0"/>
               </a:spcBef>
-              <a:buSzPct val="100000"/>
+              <a:buSzPts val="1400"/>
+              <a:buChar char="●"/>
               <a:defRPr sz="1400"/>
             </a:lvl1pPr>
             <a:lvl2pPr lvl="1">
               <a:spcBef>
                 <a:spcPts val="0"/>
               </a:spcBef>
-              <a:buSzPct val="100000"/>
+              <a:buSzPts val="1200"/>
+              <a:buChar char="○"/>
               <a:defRPr sz="1200"/>
             </a:lvl2pPr>
             <a:lvl3pPr lvl="2">
               <a:spcBef>
                 <a:spcPts val="0"/>
               </a:spcBef>
-              <a:buSzPct val="100000"/>
+              <a:buSzPts val="1200"/>
+              <a:buChar char="■"/>
               <a:defRPr sz="1200"/>
             </a:lvl3pPr>
             <a:lvl4pPr lvl="3">
               <a:spcBef>
                 <a:spcPts val="0"/>
               </a:spcBef>
-              <a:buSzPct val="100000"/>
+              <a:buSzPts val="1200"/>
+              <a:buChar char="●"/>
               <a:defRPr sz="1200"/>
             </a:lvl4pPr>
             <a:lvl5pPr lvl="4">
               <a:spcBef>
                 <a:spcPts val="0"/>
               </a:spcBef>
-              <a:buSzPct val="100000"/>
+              <a:buSzPts val="1200"/>
+              <a:buChar char="○"/>
               <a:defRPr sz="1200"/>
             </a:lvl5pPr>
             <a:lvl6pPr lvl="5">
               <a:spcBef>
                 <a:spcPts val="0"/>
               </a:spcBef>
-              <a:buSzPct val="100000"/>
+              <a:buSzPts val="1200"/>
+              <a:buChar char="■"/>
               <a:defRPr sz="1200"/>
             </a:lvl6pPr>
             <a:lvl7pPr lvl="6">
               <a:spcBef>
                 <a:spcPts val="0"/>
               </a:spcBef>
-              <a:buSzPct val="100000"/>
+              <a:buSzPts val="1200"/>
+              <a:buChar char="●"/>
               <a:defRPr sz="1200"/>
             </a:lvl7pPr>
             <a:lvl8pPr lvl="7">
               <a:spcBef>
                 <a:spcPts val="0"/>
               </a:spcBef>
-              <a:buSzPct val="100000"/>
+              <a:buSzPts val="1200"/>
+              <a:buChar char="○"/>
               <a:defRPr sz="1200"/>
             </a:lvl8pPr>
             <a:lvl9pPr lvl="8">
               <a:spcBef>
                 <a:spcPts val="0"/>
               </a:spcBef>
-              <a:buSzPct val="100000"/>
+              <a:buSzPts val="1200"/>
+              <a:buChar char="■"/>
               <a:defRPr sz="1200"/>
             </a:lvl9pPr>
           </a:lstStyle>
@@ -1721,7 +1838,7 @@
           </a:bodyPr>
           <a:lstStyle/>
           <a:p>
-            <a:pPr lvl="0">
+            <a:pPr indent="0" lvl="0" marL="0">
               <a:spcBef>
                 <a:spcPts val="0"/>
               </a:spcBef>
@@ -1783,54 +1900,72 @@
               <a:spcBef>
                 <a:spcPts val="0"/>
               </a:spcBef>
+              <a:buSzPts val="2800"/>
+              <a:buNone/>
               <a:defRPr/>
             </a:lvl1pPr>
             <a:lvl2pPr lvl="1">
               <a:spcBef>
                 <a:spcPts val="0"/>
               </a:spcBef>
+              <a:buSzPts val="2800"/>
+              <a:buNone/>
               <a:defRPr/>
             </a:lvl2pPr>
             <a:lvl3pPr lvl="2">
               <a:spcBef>
                 <a:spcPts val="0"/>
               </a:spcBef>
+              <a:buSzPts val="2800"/>
+              <a:buNone/>
               <a:defRPr/>
             </a:lvl3pPr>
             <a:lvl4pPr lvl="3">
               <a:spcBef>
                 <a:spcPts val="0"/>
               </a:spcBef>
+              <a:buSzPts val="2800"/>
+              <a:buNone/>
               <a:defRPr/>
             </a:lvl4pPr>
             <a:lvl5pPr lvl="4">
               <a:spcBef>
                 <a:spcPts val="0"/>
               </a:spcBef>
+              <a:buSzPts val="2800"/>
+              <a:buNone/>
               <a:defRPr/>
             </a:lvl5pPr>
             <a:lvl6pPr lvl="5">
               <a:spcBef>
                 <a:spcPts val="0"/>
               </a:spcBef>
+              <a:buSzPts val="2800"/>
+              <a:buNone/>
               <a:defRPr/>
             </a:lvl6pPr>
             <a:lvl7pPr lvl="6">
               <a:spcBef>
                 <a:spcPts val="0"/>
               </a:spcBef>
+              <a:buSzPts val="2800"/>
+              <a:buNone/>
               <a:defRPr/>
             </a:lvl7pPr>
             <a:lvl8pPr lvl="7">
               <a:spcBef>
                 <a:spcPts val="0"/>
               </a:spcBef>
+              <a:buSzPts val="2800"/>
+              <a:buNone/>
               <a:defRPr/>
             </a:lvl8pPr>
             <a:lvl9pPr lvl="8">
               <a:spcBef>
                 <a:spcPts val="0"/>
               </a:spcBef>
+              <a:buSzPts val="2800"/>
+              <a:buNone/>
               <a:defRPr/>
             </a:lvl9pPr>
           </a:lstStyle>
@@ -1860,7 +1995,7 @@
           </a:bodyPr>
           <a:lstStyle/>
           <a:p>
-            <a:pPr lvl="0">
+            <a:pPr indent="0" lvl="0" marL="0">
               <a:spcBef>
                 <a:spcPts val="0"/>
               </a:spcBef>
@@ -1922,63 +2057,72 @@
               <a:spcBef>
                 <a:spcPts val="0"/>
               </a:spcBef>
-              <a:buSzPct val="100000"/>
+              <a:buSzPts val="2400"/>
+              <a:buNone/>
               <a:defRPr sz="2400"/>
             </a:lvl1pPr>
             <a:lvl2pPr lvl="1">
               <a:spcBef>
                 <a:spcPts val="0"/>
               </a:spcBef>
-              <a:buSzPct val="100000"/>
+              <a:buSzPts val="2400"/>
+              <a:buNone/>
               <a:defRPr sz="2400"/>
             </a:lvl2pPr>
             <a:lvl3pPr lvl="2">
               <a:spcBef>
                 <a:spcPts val="0"/>
               </a:spcBef>
-              <a:buSzPct val="100000"/>
+              <a:buSzPts val="2400"/>
+              <a:buNone/>
               <a:defRPr sz="2400"/>
             </a:lvl3pPr>
             <a:lvl4pPr lvl="3">
               <a:spcBef>
                 <a:spcPts val="0"/>
               </a:spcBef>
-              <a:buSzPct val="100000"/>
+              <a:buSzPts val="2400"/>
+              <a:buNone/>
               <a:defRPr sz="2400"/>
             </a:lvl4pPr>
             <a:lvl5pPr lvl="4">
               <a:spcBef>
                 <a:spcPts val="0"/>
               </a:spcBef>
-              <a:buSzPct val="100000"/>
+              <a:buSzPts val="2400"/>
+              <a:buNone/>
               <a:defRPr sz="2400"/>
             </a:lvl5pPr>
             <a:lvl6pPr lvl="5">
               <a:spcBef>
                 <a:spcPts val="0"/>
               </a:spcBef>
-              <a:buSzPct val="100000"/>
+              <a:buSzPts val="2400"/>
+              <a:buNone/>
               <a:defRPr sz="2400"/>
             </a:lvl6pPr>
             <a:lvl7pPr lvl="6">
               <a:spcBef>
                 <a:spcPts val="0"/>
               </a:spcBef>
-              <a:buSzPct val="100000"/>
+              <a:buSzPts val="2400"/>
+              <a:buNone/>
               <a:defRPr sz="2400"/>
             </a:lvl7pPr>
             <a:lvl8pPr lvl="7">
               <a:spcBef>
                 <a:spcPts val="0"/>
               </a:spcBef>
-              <a:buSzPct val="100000"/>
+              <a:buSzPts val="2400"/>
+              <a:buNone/>
               <a:defRPr sz="2400"/>
             </a:lvl8pPr>
             <a:lvl9pPr lvl="8">
               <a:spcBef>
                 <a:spcPts val="0"/>
               </a:spcBef>
-              <a:buSzPct val="100000"/>
+              <a:buSzPts val="2400"/>
+              <a:buNone/>
               <a:defRPr sz="2400"/>
             </a:lvl9pPr>
           </a:lstStyle>
@@ -2009,63 +2153,72 @@
               <a:spcBef>
                 <a:spcPts val="0"/>
               </a:spcBef>
-              <a:buSzPct val="100000"/>
+              <a:buSzPts val="1200"/>
+              <a:buChar char="●"/>
               <a:defRPr sz="1200"/>
             </a:lvl1pPr>
             <a:lvl2pPr lvl="1">
               <a:spcBef>
                 <a:spcPts val="0"/>
               </a:spcBef>
-              <a:buSzPct val="100000"/>
+              <a:buSzPts val="1200"/>
+              <a:buChar char="○"/>
               <a:defRPr sz="1200"/>
             </a:lvl2pPr>
             <a:lvl3pPr lvl="2">
               <a:spcBef>
                 <a:spcPts val="0"/>
               </a:spcBef>
-              <a:buSzPct val="100000"/>
+              <a:buSzPts val="1200"/>
+              <a:buChar char="■"/>
               <a:defRPr sz="1200"/>
             </a:lvl3pPr>
             <a:lvl4pPr lvl="3">
               <a:spcBef>
                 <a:spcPts val="0"/>
               </a:spcBef>
-              <a:buSzPct val="100000"/>
+              <a:buSzPts val="1200"/>
+              <a:buChar char="●"/>
               <a:defRPr sz="1200"/>
             </a:lvl4pPr>
             <a:lvl5pPr lvl="4">
               <a:spcBef>
                 <a:spcPts val="0"/>
               </a:spcBef>
-              <a:buSzPct val="100000"/>
+              <a:buSzPts val="1200"/>
+              <a:buChar char="○"/>
               <a:defRPr sz="1200"/>
             </a:lvl5pPr>
             <a:lvl6pPr lvl="5">
               <a:spcBef>
                 <a:spcPts val="0"/>
               </a:spcBef>
-              <a:buSzPct val="100000"/>
+              <a:buSzPts val="1200"/>
+              <a:buChar char="■"/>
               <a:defRPr sz="1200"/>
             </a:lvl6pPr>
             <a:lvl7pPr lvl="6">
               <a:spcBef>
                 <a:spcPts val="0"/>
               </a:spcBef>
-              <a:buSzPct val="100000"/>
+              <a:buSzPts val="1200"/>
+              <a:buChar char="●"/>
               <a:defRPr sz="1200"/>
             </a:lvl7pPr>
             <a:lvl8pPr lvl="7">
               <a:spcBef>
                 <a:spcPts val="0"/>
               </a:spcBef>
-              <a:buSzPct val="100000"/>
+              <a:buSzPts val="1200"/>
+              <a:buChar char="○"/>
               <a:defRPr sz="1200"/>
             </a:lvl8pPr>
             <a:lvl9pPr lvl="8">
               <a:spcBef>
                 <a:spcPts val="0"/>
               </a:spcBef>
-              <a:buSzPct val="100000"/>
+              <a:buSzPts val="1200"/>
+              <a:buChar char="■"/>
               <a:defRPr sz="1200"/>
             </a:lvl9pPr>
           </a:lstStyle>
@@ -2095,7 +2248,7 @@
           </a:bodyPr>
           <a:lstStyle/>
           <a:p>
-            <a:pPr lvl="0">
+            <a:pPr indent="0" lvl="0" marL="0">
               <a:spcBef>
                 <a:spcPts val="0"/>
               </a:spcBef>
@@ -2157,63 +2310,72 @@
               <a:spcBef>
                 <a:spcPts val="0"/>
               </a:spcBef>
-              <a:buSzPct val="100000"/>
+              <a:buSzPts val="4800"/>
+              <a:buNone/>
               <a:defRPr sz="4800"/>
             </a:lvl1pPr>
             <a:lvl2pPr lvl="1">
               <a:spcBef>
                 <a:spcPts val="0"/>
               </a:spcBef>
-              <a:buSzPct val="100000"/>
+              <a:buSzPts val="4800"/>
+              <a:buNone/>
               <a:defRPr sz="4800"/>
             </a:lvl2pPr>
             <a:lvl3pPr lvl="2">
               <a:spcBef>
                 <a:spcPts val="0"/>
               </a:spcBef>
-              <a:buSzPct val="100000"/>
+              <a:buSzPts val="4800"/>
+              <a:buNone/>
               <a:defRPr sz="4800"/>
             </a:lvl3pPr>
             <a:lvl4pPr lvl="3">
               <a:spcBef>
                 <a:spcPts val="0"/>
               </a:spcBef>
-              <a:buSzPct val="100000"/>
+              <a:buSzPts val="4800"/>
+              <a:buNone/>
               <a:defRPr sz="4800"/>
             </a:lvl4pPr>
             <a:lvl5pPr lvl="4">
               <a:spcBef>
                 <a:spcPts val="0"/>
               </a:spcBef>
-              <a:buSzPct val="100000"/>
+              <a:buSzPts val="4800"/>
+              <a:buNone/>
               <a:defRPr sz="4800"/>
             </a:lvl5pPr>
             <a:lvl6pPr lvl="5">
               <a:spcBef>
                 <a:spcPts val="0"/>
               </a:spcBef>
-              <a:buSzPct val="100000"/>
+              <a:buSzPts val="4800"/>
+              <a:buNone/>
               <a:defRPr sz="4800"/>
             </a:lvl6pPr>
             <a:lvl7pPr lvl="6">
               <a:spcBef>
                 <a:spcPts val="0"/>
               </a:spcBef>
-              <a:buSzPct val="100000"/>
+              <a:buSzPts val="4800"/>
+              <a:buNone/>
               <a:defRPr sz="4800"/>
             </a:lvl7pPr>
             <a:lvl8pPr lvl="7">
               <a:spcBef>
                 <a:spcPts val="0"/>
               </a:spcBef>
-              <a:buSzPct val="100000"/>
+              <a:buSzPts val="4800"/>
+              <a:buNone/>
               <a:defRPr sz="4800"/>
             </a:lvl8pPr>
             <a:lvl9pPr lvl="8">
               <a:spcBef>
                 <a:spcPts val="0"/>
               </a:spcBef>
-              <a:buSzPct val="100000"/>
+              <a:buSzPts val="4800"/>
+              <a:buNone/>
               <a:defRPr sz="4800"/>
             </a:lvl9pPr>
           </a:lstStyle>
@@ -2243,7 +2405,7 @@
           </a:bodyPr>
           <a:lstStyle/>
           <a:p>
-            <a:pPr lvl="0">
+            <a:pPr indent="0" lvl="0" marL="0">
               <a:spcBef>
                 <a:spcPts val="0"/>
               </a:spcBef>
@@ -2308,7 +2470,7 @@
           </a:bodyPr>
           <a:lstStyle/>
           <a:p>
-            <a:pPr lvl="0">
+            <a:pPr indent="0" lvl="0" marL="0">
               <a:spcBef>
                 <a:spcPts val="0"/>
               </a:spcBef>
@@ -2345,63 +2507,72 @@
               <a:spcBef>
                 <a:spcPts val="0"/>
               </a:spcBef>
-              <a:buSzPct val="100000"/>
+              <a:buSzPts val="4200"/>
+              <a:buNone/>
               <a:defRPr sz="4200"/>
             </a:lvl1pPr>
             <a:lvl2pPr lvl="1" algn="ctr">
               <a:spcBef>
                 <a:spcPts val="0"/>
               </a:spcBef>
-              <a:buSzPct val="100000"/>
+              <a:buSzPts val="4200"/>
+              <a:buNone/>
               <a:defRPr sz="4200"/>
             </a:lvl2pPr>
             <a:lvl3pPr lvl="2" algn="ctr">
               <a:spcBef>
                 <a:spcPts val="0"/>
               </a:spcBef>
-              <a:buSzPct val="100000"/>
+              <a:buSzPts val="4200"/>
+              <a:buNone/>
               <a:defRPr sz="4200"/>
             </a:lvl3pPr>
             <a:lvl4pPr lvl="3" algn="ctr">
               <a:spcBef>
                 <a:spcPts val="0"/>
               </a:spcBef>
-              <a:buSzPct val="100000"/>
+              <a:buSzPts val="4200"/>
+              <a:buNone/>
               <a:defRPr sz="4200"/>
             </a:lvl4pPr>
             <a:lvl5pPr lvl="4" algn="ctr">
               <a:spcBef>
                 <a:spcPts val="0"/>
               </a:spcBef>
-              <a:buSzPct val="100000"/>
+              <a:buSzPts val="4200"/>
+              <a:buNone/>
               <a:defRPr sz="4200"/>
             </a:lvl5pPr>
             <a:lvl6pPr lvl="5" algn="ctr">
               <a:spcBef>
                 <a:spcPts val="0"/>
               </a:spcBef>
-              <a:buSzPct val="100000"/>
+              <a:buSzPts val="4200"/>
+              <a:buNone/>
               <a:defRPr sz="4200"/>
             </a:lvl6pPr>
             <a:lvl7pPr lvl="6" algn="ctr">
               <a:spcBef>
                 <a:spcPts val="0"/>
               </a:spcBef>
-              <a:buSzPct val="100000"/>
+              <a:buSzPts val="4200"/>
+              <a:buNone/>
               <a:defRPr sz="4200"/>
             </a:lvl7pPr>
             <a:lvl8pPr lvl="7" algn="ctr">
               <a:spcBef>
                 <a:spcPts val="0"/>
               </a:spcBef>
-              <a:buSzPct val="100000"/>
+              <a:buSzPts val="4200"/>
+              <a:buNone/>
               <a:defRPr sz="4200"/>
             </a:lvl8pPr>
             <a:lvl9pPr lvl="8" algn="ctr">
               <a:spcBef>
                 <a:spcPts val="0"/>
               </a:spcBef>
-              <a:buSzPct val="100000"/>
+              <a:buSzPts val="4200"/>
+              <a:buNone/>
               <a:defRPr sz="4200"/>
             </a:lvl9pPr>
           </a:lstStyle>
@@ -2438,7 +2609,7 @@
               <a:spcAft>
                 <a:spcPts val="0"/>
               </a:spcAft>
-              <a:buSzPct val="100000"/>
+              <a:buSzPts val="2100"/>
               <a:buNone/>
               <a:defRPr sz="2100"/>
             </a:lvl1pPr>
@@ -2452,7 +2623,7 @@
               <a:spcAft>
                 <a:spcPts val="0"/>
               </a:spcAft>
-              <a:buSzPct val="100000"/>
+              <a:buSzPts val="2100"/>
               <a:buNone/>
               <a:defRPr sz="2100"/>
             </a:lvl2pPr>
@@ -2466,7 +2637,7 @@
               <a:spcAft>
                 <a:spcPts val="0"/>
               </a:spcAft>
-              <a:buSzPct val="100000"/>
+              <a:buSzPts val="2100"/>
               <a:buNone/>
               <a:defRPr sz="2100"/>
             </a:lvl3pPr>
@@ -2480,7 +2651,7 @@
               <a:spcAft>
                 <a:spcPts val="0"/>
               </a:spcAft>
-              <a:buSzPct val="100000"/>
+              <a:buSzPts val="2100"/>
               <a:buNone/>
               <a:defRPr sz="2100"/>
             </a:lvl4pPr>
@@ -2494,7 +2665,7 @@
               <a:spcAft>
                 <a:spcPts val="0"/>
               </a:spcAft>
-              <a:buSzPct val="100000"/>
+              <a:buSzPts val="2100"/>
               <a:buNone/>
               <a:defRPr sz="2100"/>
             </a:lvl5pPr>
@@ -2508,7 +2679,7 @@
               <a:spcAft>
                 <a:spcPts val="0"/>
               </a:spcAft>
-              <a:buSzPct val="100000"/>
+              <a:buSzPts val="2100"/>
               <a:buNone/>
               <a:defRPr sz="2100"/>
             </a:lvl6pPr>
@@ -2522,7 +2693,7 @@
               <a:spcAft>
                 <a:spcPts val="0"/>
               </a:spcAft>
-              <a:buSzPct val="100000"/>
+              <a:buSzPts val="2100"/>
               <a:buNone/>
               <a:defRPr sz="2100"/>
             </a:lvl7pPr>
@@ -2536,7 +2707,7 @@
               <a:spcAft>
                 <a:spcPts val="0"/>
               </a:spcAft>
-              <a:buSzPct val="100000"/>
+              <a:buSzPts val="2100"/>
               <a:buNone/>
               <a:defRPr sz="2100"/>
             </a:lvl8pPr>
@@ -2550,7 +2721,7 @@
               <a:spcAft>
                 <a:spcPts val="0"/>
               </a:spcAft>
-              <a:buSzPct val="100000"/>
+              <a:buSzPts val="2100"/>
               <a:buNone/>
               <a:defRPr sz="2100"/>
             </a:lvl9pPr>
@@ -2582,54 +2753,72 @@
               <a:spcBef>
                 <a:spcPts val="0"/>
               </a:spcBef>
+              <a:buSzPts val="1800"/>
+              <a:buChar char="●"/>
               <a:defRPr/>
             </a:lvl1pPr>
             <a:lvl2pPr lvl="1">
               <a:spcBef>
                 <a:spcPts val="0"/>
               </a:spcBef>
+              <a:buSzPts val="1400"/>
+              <a:buChar char="○"/>
               <a:defRPr/>
             </a:lvl2pPr>
             <a:lvl3pPr lvl="2">
               <a:spcBef>
                 <a:spcPts val="0"/>
               </a:spcBef>
+              <a:buSzPts val="1400"/>
+              <a:buChar char="■"/>
               <a:defRPr/>
             </a:lvl3pPr>
             <a:lvl4pPr lvl="3">
               <a:spcBef>
                 <a:spcPts val="0"/>
               </a:spcBef>
+              <a:buSzPts val="1400"/>
+              <a:buChar char="●"/>
               <a:defRPr/>
             </a:lvl4pPr>
             <a:lvl5pPr lvl="4">
               <a:spcBef>
                 <a:spcPts val="0"/>
               </a:spcBef>
+              <a:buSzPts val="1400"/>
+              <a:buChar char="○"/>
               <a:defRPr/>
             </a:lvl5pPr>
             <a:lvl6pPr lvl="5">
               <a:spcBef>
                 <a:spcPts val="0"/>
               </a:spcBef>
+              <a:buSzPts val="1400"/>
+              <a:buChar char="■"/>
               <a:defRPr/>
             </a:lvl6pPr>
             <a:lvl7pPr lvl="6">
               <a:spcBef>
                 <a:spcPts val="0"/>
               </a:spcBef>
+              <a:buSzPts val="1400"/>
+              <a:buChar char="●"/>
               <a:defRPr/>
             </a:lvl7pPr>
             <a:lvl8pPr lvl="7">
               <a:spcBef>
                 <a:spcPts val="0"/>
               </a:spcBef>
+              <a:buSzPts val="1400"/>
+              <a:buChar char="○"/>
               <a:defRPr/>
             </a:lvl8pPr>
             <a:lvl9pPr lvl="8">
               <a:spcBef>
                 <a:spcPts val="0"/>
               </a:spcBef>
+              <a:buSzPts val="1400"/>
+              <a:buChar char="■"/>
               <a:defRPr/>
             </a:lvl9pPr>
           </a:lstStyle>
@@ -2659,7 +2848,7 @@
           </a:bodyPr>
           <a:lstStyle/>
           <a:p>
-            <a:pPr lvl="0">
+            <a:pPr indent="0" lvl="0" marL="0">
               <a:spcBef>
                 <a:spcPts val="0"/>
               </a:spcBef>
@@ -2727,6 +2916,7 @@
               <a:spcAft>
                 <a:spcPts val="0"/>
               </a:spcAft>
+              <a:buSzPts val="1800"/>
               <a:buNone/>
               <a:defRPr/>
             </a:lvl1pPr>
@@ -2757,7 +2947,7 @@
           </a:bodyPr>
           <a:lstStyle/>
           <a:p>
-            <a:pPr lvl="0">
+            <a:pPr indent="0" lvl="0" marL="0">
               <a:spcBef>
                 <a:spcPts val="0"/>
               </a:spcBef>
@@ -2833,7 +3023,7 @@
               <a:buClr>
                 <a:schemeClr val="dk1"/>
               </a:buClr>
-              <a:buSzPct val="100000"/>
+              <a:buSzPts val="2800"/>
               <a:buNone/>
               <a:defRPr sz="2800">
                 <a:solidFill>
@@ -2848,7 +3038,7 @@
               <a:buClr>
                 <a:schemeClr val="dk1"/>
               </a:buClr>
-              <a:buSzPct val="100000"/>
+              <a:buSzPts val="2800"/>
               <a:buNone/>
               <a:defRPr sz="2800">
                 <a:solidFill>
@@ -2863,7 +3053,7 @@
               <a:buClr>
                 <a:schemeClr val="dk1"/>
               </a:buClr>
-              <a:buSzPct val="100000"/>
+              <a:buSzPts val="2800"/>
               <a:buNone/>
               <a:defRPr sz="2800">
                 <a:solidFill>
@@ -2878,7 +3068,7 @@
               <a:buClr>
                 <a:schemeClr val="dk1"/>
               </a:buClr>
-              <a:buSzPct val="100000"/>
+              <a:buSzPts val="2800"/>
               <a:buNone/>
               <a:defRPr sz="2800">
                 <a:solidFill>
@@ -2893,7 +3083,7 @@
               <a:buClr>
                 <a:schemeClr val="dk1"/>
               </a:buClr>
-              <a:buSzPct val="100000"/>
+              <a:buSzPts val="2800"/>
               <a:buNone/>
               <a:defRPr sz="2800">
                 <a:solidFill>
@@ -2908,7 +3098,7 @@
               <a:buClr>
                 <a:schemeClr val="dk1"/>
               </a:buClr>
-              <a:buSzPct val="100000"/>
+              <a:buSzPts val="2800"/>
               <a:buNone/>
               <a:defRPr sz="2800">
                 <a:solidFill>
@@ -2923,7 +3113,7 @@
               <a:buClr>
                 <a:schemeClr val="dk1"/>
               </a:buClr>
-              <a:buSzPct val="100000"/>
+              <a:buSzPts val="2800"/>
               <a:buNone/>
               <a:defRPr sz="2800">
                 <a:solidFill>
@@ -2938,7 +3128,7 @@
               <a:buClr>
                 <a:schemeClr val="dk1"/>
               </a:buClr>
-              <a:buSzPct val="100000"/>
+              <a:buSzPts val="2800"/>
               <a:buNone/>
               <a:defRPr sz="2800">
                 <a:solidFill>
@@ -2953,7 +3143,7 @@
               <a:buClr>
                 <a:schemeClr val="dk1"/>
               </a:buClr>
-              <a:buSzPct val="100000"/>
+              <a:buSzPts val="2800"/>
               <a:buNone/>
               <a:defRPr sz="2800">
                 <a:solidFill>
@@ -3002,7 +3192,7 @@
               <a:buClr>
                 <a:schemeClr val="dk2"/>
               </a:buClr>
-              <a:buSzPct val="100000"/>
+              <a:buSzPts val="1800"/>
               <a:buChar char="●"/>
               <a:defRPr sz="1800">
                 <a:solidFill>
@@ -3023,6 +3213,7 @@
               <a:buClr>
                 <a:schemeClr val="dk2"/>
               </a:buClr>
+              <a:buSzPts val="1400"/>
               <a:buChar char="○"/>
               <a:defRPr>
                 <a:solidFill>
@@ -3043,6 +3234,7 @@
               <a:buClr>
                 <a:schemeClr val="dk2"/>
               </a:buClr>
+              <a:buSzPts val="1400"/>
               <a:buChar char="■"/>
               <a:defRPr>
                 <a:solidFill>
@@ -3063,6 +3255,7 @@
               <a:buClr>
                 <a:schemeClr val="dk2"/>
               </a:buClr>
+              <a:buSzPts val="1400"/>
               <a:buChar char="●"/>
               <a:defRPr>
                 <a:solidFill>
@@ -3083,6 +3276,7 @@
               <a:buClr>
                 <a:schemeClr val="dk2"/>
               </a:buClr>
+              <a:buSzPts val="1400"/>
               <a:buChar char="○"/>
               <a:defRPr>
                 <a:solidFill>
@@ -3103,6 +3297,7 @@
               <a:buClr>
                 <a:schemeClr val="dk2"/>
               </a:buClr>
+              <a:buSzPts val="1400"/>
               <a:buChar char="■"/>
               <a:defRPr>
                 <a:solidFill>
@@ -3123,6 +3318,7 @@
               <a:buClr>
                 <a:schemeClr val="dk2"/>
               </a:buClr>
+              <a:buSzPts val="1400"/>
               <a:buChar char="●"/>
               <a:defRPr>
                 <a:solidFill>
@@ -3143,6 +3339,7 @@
               <a:buClr>
                 <a:schemeClr val="dk2"/>
               </a:buClr>
+              <a:buSzPts val="1400"/>
               <a:buChar char="○"/>
               <a:defRPr>
                 <a:solidFill>
@@ -3163,6 +3360,7 @@
               <a:buClr>
                 <a:schemeClr val="dk2"/>
               </a:buClr>
+              <a:buSzPts val="1400"/>
               <a:buChar char="■"/>
               <a:defRPr>
                 <a:solidFill>
@@ -3201,7 +3399,7 @@
           </a:bodyPr>
           <a:lstStyle/>
           <a:p>
-            <a:pPr lvl="0" algn="r">
+            <a:pPr indent="0" lvl="0" marL="0" algn="r">
               <a:spcBef>
                 <a:spcPts val="0"/>
               </a:spcBef>
@@ -3710,8 +3908,8 @@
         </p:nvSpPr>
         <p:spPr>
           <a:xfrm>
-            <a:off x="1063050" y="1880325"/>
-            <a:ext cx="2409300" cy="1067400"/>
+            <a:off x="673575" y="411025"/>
+            <a:ext cx="1977000" cy="1040700"/>
           </a:xfrm>
           <a:prstGeom prst="rect">
             <a:avLst/>
@@ -3735,7 +3933,7 @@
           </a:bodyPr>
           <a:lstStyle/>
           <a:p>
-            <a:pPr lvl="0" rtl="0" algn="ctr">
+            <a:pPr indent="0" lvl="0" marL="0" rtl="0" algn="ctr">
               <a:spcBef>
                 <a:spcPts val="0"/>
               </a:spcBef>
@@ -3747,7 +3945,7 @@
             </a:r>
           </a:p>
           <a:p>
-            <a:pPr lvl="0" rtl="0" algn="ctr">
+            <a:pPr indent="0" lvl="0" marL="0" rtl="0" algn="ctr">
               <a:spcBef>
                 <a:spcPts val="0"/>
               </a:spcBef>
@@ -3759,7 +3957,7 @@
             <a:endParaRPr/>
           </a:p>
           <a:p>
-            <a:pPr lvl="0" rtl="0" algn="ctr">
+            <a:pPr indent="0" lvl="0" marL="0" rtl="0" algn="ctr">
               <a:spcBef>
                 <a:spcPts val="0"/>
               </a:spcBef>
@@ -3771,7 +3969,7 @@
             <a:endParaRPr/>
           </a:p>
           <a:p>
-            <a:pPr lvl="0" rtl="0" algn="ctr">
+            <a:pPr indent="0" lvl="0" marL="0" rtl="0" algn="ctr">
               <a:spcBef>
                 <a:spcPts val="0"/>
               </a:spcBef>
@@ -3783,7 +3981,7 @@
             </a:r>
           </a:p>
           <a:p>
-            <a:pPr lvl="0" algn="ctr">
+            <a:pPr indent="0" lvl="0" marL="0" algn="ctr">
               <a:spcBef>
                 <a:spcPts val="0"/>
               </a:spcBef>
@@ -3804,8 +4002,8 @@
         </p:nvSpPr>
         <p:spPr>
           <a:xfrm>
-            <a:off x="5449950" y="1880325"/>
-            <a:ext cx="2409300" cy="1067400"/>
+            <a:off x="5403250" y="397675"/>
+            <a:ext cx="1823700" cy="1067400"/>
           </a:xfrm>
           <a:prstGeom prst="rect">
             <a:avLst/>
@@ -3829,7 +4027,7 @@
           </a:bodyPr>
           <a:lstStyle/>
           <a:p>
-            <a:pPr lvl="0" rtl="0" algn="ctr">
+            <a:pPr indent="0" lvl="0" marL="0" rtl="0" algn="ctr">
               <a:spcBef>
                 <a:spcPts val="0"/>
               </a:spcBef>
@@ -3841,7 +4039,7 @@
             </a:r>
           </a:p>
           <a:p>
-            <a:pPr lvl="0" rtl="0" algn="ctr">
+            <a:pPr indent="0" lvl="0" marL="0" rtl="0" algn="ctr">
               <a:spcBef>
                 <a:spcPts val="0"/>
               </a:spcBef>
@@ -3853,7 +4051,7 @@
             <a:endParaRPr/>
           </a:p>
           <a:p>
-            <a:pPr lvl="0" rtl="0" algn="ctr">
+            <a:pPr indent="0" lvl="0" marL="0" rtl="0" algn="ctr">
               <a:spcBef>
                 <a:spcPts val="0"/>
               </a:spcBef>
@@ -3865,7 +4063,7 @@
             <a:endParaRPr/>
           </a:p>
           <a:p>
-            <a:pPr lvl="0" rtl="0" algn="ctr">
+            <a:pPr indent="0" lvl="0" marL="0" rtl="0" algn="ctr">
               <a:spcBef>
                 <a:spcPts val="0"/>
               </a:spcBef>
@@ -3877,7 +4075,7 @@
             </a:r>
           </a:p>
           <a:p>
-            <a:pPr lvl="0" rtl="0" algn="ctr">
+            <a:pPr indent="0" lvl="0" marL="0" rtl="0" algn="ctr">
               <a:spcBef>
                 <a:spcPts val="0"/>
               </a:spcBef>
@@ -3893,13 +4091,15 @@
       <p:cxnSp>
         <p:nvCxnSpPr>
           <p:cNvPr id="56" name="Shape 56"/>
-          <p:cNvCxnSpPr/>
+          <p:cNvCxnSpPr>
+            <a:endCxn id="55" idx="1"/>
+          </p:cNvCxnSpPr>
           <p:nvPr/>
         </p:nvCxnSpPr>
         <p:spPr>
           <a:xfrm>
-            <a:off x="3476975" y="1984675"/>
-            <a:ext cx="1984800" cy="15300"/>
+            <a:off x="2650450" y="926875"/>
+            <a:ext cx="2752800" cy="4500"/>
           </a:xfrm>
           <a:prstGeom prst="straightConnector1">
             <a:avLst/>
@@ -3923,9 +4123,9 @@
           <p:nvPr/>
         </p:nvCxnSpPr>
         <p:spPr>
-          <a:xfrm rot="10800000">
-            <a:off x="3484650" y="2742275"/>
-            <a:ext cx="1977000" cy="7500"/>
+          <a:xfrm>
+            <a:off x="6818875" y="1451725"/>
+            <a:ext cx="18600" cy="1648500"/>
           </a:xfrm>
           <a:prstGeom prst="straightConnector1">
             <a:avLst/>
@@ -3950,8 +4150,8 @@
         </p:nvSpPr>
         <p:spPr>
           <a:xfrm>
-            <a:off x="3728550" y="1704400"/>
-            <a:ext cx="1465200" cy="363600"/>
+            <a:off x="3466425" y="610025"/>
+            <a:ext cx="941700" cy="363600"/>
           </a:xfrm>
           <a:prstGeom prst="rect">
             <a:avLst/>
@@ -3967,7 +4167,7 @@
           </a:bodyPr>
           <a:lstStyle/>
           <a:p>
-            <a:pPr lvl="0">
+            <a:pPr indent="0" lvl="0" marL="0">
               <a:spcBef>
                 <a:spcPts val="0"/>
               </a:spcBef>
@@ -3975,7 +4175,7 @@
             </a:pPr>
             <a:r>
               <a:rPr lang="en" sz="1000"/>
-              <a:t>Selecting start button</a:t>
+              <a:t>Start button</a:t>
             </a:r>
           </a:p>
         </p:txBody>
@@ -3987,9 +4187,9 @@
           <p:nvPr/>
         </p:nvSpPr>
         <p:spPr>
-          <a:xfrm>
-            <a:off x="3728550" y="2450550"/>
-            <a:ext cx="1465200" cy="363600"/>
+          <a:xfrm rot="-1880840">
+            <a:off x="2980506" y="1899079"/>
+            <a:ext cx="2021242" cy="503394"/>
           </a:xfrm>
           <a:prstGeom prst="rect">
             <a:avLst/>
@@ -4005,7 +4205,7 @@
           </a:bodyPr>
           <a:lstStyle/>
           <a:p>
-            <a:pPr lvl="0" rtl="0">
+            <a:pPr indent="0" lvl="0" marL="0" rtl="0">
               <a:spcBef>
                 <a:spcPts val="0"/>
               </a:spcBef>
@@ -4013,7 +4213,365 @@
             </a:pPr>
             <a:r>
               <a:rPr lang="en" sz="1000"/>
-              <a:t>Finishing the game</a:t>
+              <a:t>User either loses all lives or beats the final level, level 16</a:t>
+            </a:r>
+          </a:p>
+        </p:txBody>
+      </p:sp>
+      <p:sp>
+        <p:nvSpPr>
+          <p:cNvPr id="60" name="Shape 60"/>
+          <p:cNvSpPr txBox="1"/>
+          <p:nvPr/>
+        </p:nvSpPr>
+        <p:spPr>
+          <a:xfrm>
+            <a:off x="5471175" y="3106425"/>
+            <a:ext cx="1791600" cy="1040700"/>
+          </a:xfrm>
+          <a:prstGeom prst="rect">
+            <a:avLst/>
+          </a:prstGeom>
+          <a:solidFill>
+            <a:srgbClr val="F3F3F3"/>
+          </a:solidFill>
+          <a:ln cap="flat" cmpd="sng" w="9525">
+            <a:solidFill>
+              <a:srgbClr val="000000"/>
+            </a:solidFill>
+            <a:prstDash val="solid"/>
+            <a:round/>
+            <a:headEnd len="med" w="med" type="none"/>
+            <a:tailEnd len="med" w="med" type="none"/>
+          </a:ln>
+        </p:spPr>
+        <p:txBody>
+          <a:bodyPr anchorCtr="0" anchor="t" bIns="91425" lIns="91425" rIns="91425" wrap="square" tIns="91425">
+            <a:noAutofit/>
+          </a:bodyPr>
+          <a:lstStyle/>
+          <a:p>
+            <a:pPr indent="0" lvl="0" marL="0" rtl="0" algn="ctr">
+              <a:spcBef>
+                <a:spcPts val="0"/>
+              </a:spcBef>
+              <a:buNone/>
+            </a:pPr>
+            <a:r>
+              <a:rPr lang="en"/>
+              <a:t>Game Paused</a:t>
+            </a:r>
+          </a:p>
+          <a:p>
+            <a:pPr indent="0" lvl="0" marL="0" rtl="0" algn="ctr">
+              <a:spcBef>
+                <a:spcPts val="0"/>
+              </a:spcBef>
+              <a:buNone/>
+            </a:pPr>
+            <a:r>
+              <a:t/>
+            </a:r>
+            <a:endParaRPr/>
+          </a:p>
+          <a:p>
+            <a:pPr indent="0" lvl="0" marL="0" rtl="0" algn="ctr">
+              <a:spcBef>
+                <a:spcPts val="0"/>
+              </a:spcBef>
+              <a:buNone/>
+            </a:pPr>
+            <a:r>
+              <a:t/>
+            </a:r>
+            <a:endParaRPr/>
+          </a:p>
+          <a:p>
+            <a:pPr indent="0" lvl="0" marL="0" rtl="0" algn="ctr">
+              <a:spcBef>
+                <a:spcPts val="0"/>
+              </a:spcBef>
+              <a:buNone/>
+            </a:pPr>
+            <a:r>
+              <a:rPr lang="en" sz="1000"/>
+              <a:t>User can pause the game if needed</a:t>
+            </a:r>
+          </a:p>
+          <a:p>
+            <a:pPr indent="0" lvl="0" marL="0" rtl="0" algn="ctr">
+              <a:spcBef>
+                <a:spcPts val="0"/>
+              </a:spcBef>
+              <a:buNone/>
+            </a:pPr>
+            <a:r>
+              <a:t/>
+            </a:r>
+            <a:endParaRPr sz="1000"/>
+          </a:p>
+        </p:txBody>
+      </p:sp>
+      <p:sp>
+        <p:nvSpPr>
+          <p:cNvPr id="61" name="Shape 61"/>
+          <p:cNvSpPr txBox="1"/>
+          <p:nvPr/>
+        </p:nvSpPr>
+        <p:spPr>
+          <a:xfrm rot="5400000">
+            <a:off x="6546900" y="2080200"/>
+            <a:ext cx="1007700" cy="298200"/>
+          </a:xfrm>
+          <a:prstGeom prst="rect">
+            <a:avLst/>
+          </a:prstGeom>
+          <a:noFill/>
+          <a:ln>
+            <a:noFill/>
+          </a:ln>
+        </p:spPr>
+        <p:txBody>
+          <a:bodyPr anchorCtr="0" anchor="t" bIns="91425" lIns="91425" rIns="91425" wrap="square" tIns="91425">
+            <a:noAutofit/>
+          </a:bodyPr>
+          <a:lstStyle/>
+          <a:p>
+            <a:pPr indent="0" lvl="0" marL="0">
+              <a:spcBef>
+                <a:spcPts val="0"/>
+              </a:spcBef>
+              <a:buNone/>
+            </a:pPr>
+            <a:r>
+              <a:rPr lang="en" sz="1000"/>
+              <a:t>Pause button</a:t>
+            </a:r>
+          </a:p>
+        </p:txBody>
+      </p:sp>
+      <p:cxnSp>
+        <p:nvCxnSpPr>
+          <p:cNvPr id="62" name="Shape 62"/>
+          <p:cNvCxnSpPr/>
+          <p:nvPr/>
+        </p:nvCxnSpPr>
+        <p:spPr>
+          <a:xfrm rot="10800000">
+            <a:off x="5984175" y="1480650"/>
+            <a:ext cx="6300" cy="1613400"/>
+          </a:xfrm>
+          <a:prstGeom prst="straightConnector1">
+            <a:avLst/>
+          </a:prstGeom>
+          <a:noFill/>
+          <a:ln cap="flat" cmpd="sng" w="9525">
+            <a:solidFill>
+              <a:schemeClr val="dk2"/>
+            </a:solidFill>
+            <a:prstDash val="solid"/>
+            <a:round/>
+            <a:headEnd len="lg" w="lg" type="none"/>
+            <a:tailEnd len="lg" w="lg" type="triangle"/>
+          </a:ln>
+        </p:spPr>
+      </p:cxnSp>
+      <p:sp>
+        <p:nvSpPr>
+          <p:cNvPr id="63" name="Shape 63"/>
+          <p:cNvSpPr txBox="1"/>
+          <p:nvPr/>
+        </p:nvSpPr>
+        <p:spPr>
+          <a:xfrm rot="-5400000">
+            <a:off x="5258875" y="2164600"/>
+            <a:ext cx="1007700" cy="298200"/>
+          </a:xfrm>
+          <a:prstGeom prst="rect">
+            <a:avLst/>
+          </a:prstGeom>
+          <a:noFill/>
+          <a:ln>
+            <a:noFill/>
+          </a:ln>
+        </p:spPr>
+        <p:txBody>
+          <a:bodyPr anchorCtr="0" anchor="t" bIns="91425" lIns="91425" rIns="91425" wrap="square" tIns="91425">
+            <a:noAutofit/>
+          </a:bodyPr>
+          <a:lstStyle/>
+          <a:p>
+            <a:pPr indent="0" lvl="0" marL="0" rtl="0">
+              <a:spcBef>
+                <a:spcPts val="0"/>
+              </a:spcBef>
+              <a:buNone/>
+            </a:pPr>
+            <a:r>
+              <a:rPr lang="en" sz="1000"/>
+              <a:t>Pause button</a:t>
+            </a:r>
+          </a:p>
+        </p:txBody>
+      </p:sp>
+      <p:sp>
+        <p:nvSpPr>
+          <p:cNvPr id="64" name="Shape 64"/>
+          <p:cNvSpPr txBox="1"/>
+          <p:nvPr/>
+        </p:nvSpPr>
+        <p:spPr>
+          <a:xfrm>
+            <a:off x="739425" y="3141375"/>
+            <a:ext cx="1977000" cy="1040700"/>
+          </a:xfrm>
+          <a:prstGeom prst="rect">
+            <a:avLst/>
+          </a:prstGeom>
+          <a:solidFill>
+            <a:srgbClr val="F3F3F3"/>
+          </a:solidFill>
+          <a:ln cap="flat" cmpd="sng" w="9525">
+            <a:solidFill>
+              <a:srgbClr val="000000"/>
+            </a:solidFill>
+            <a:prstDash val="solid"/>
+            <a:round/>
+            <a:headEnd len="med" w="med" type="none"/>
+            <a:tailEnd len="med" w="med" type="none"/>
+          </a:ln>
+        </p:spPr>
+        <p:txBody>
+          <a:bodyPr anchorCtr="0" anchor="t" bIns="91425" lIns="91425" rIns="91425" wrap="square" tIns="91425">
+            <a:noAutofit/>
+          </a:bodyPr>
+          <a:lstStyle/>
+          <a:p>
+            <a:pPr indent="0" lvl="0" marL="0" rtl="0" algn="ctr">
+              <a:spcBef>
+                <a:spcPts val="0"/>
+              </a:spcBef>
+              <a:buNone/>
+            </a:pPr>
+            <a:r>
+              <a:rPr lang="en"/>
+              <a:t>End Game</a:t>
+            </a:r>
+          </a:p>
+          <a:p>
+            <a:pPr indent="0" lvl="0" marL="0" rtl="0" algn="ctr">
+              <a:spcBef>
+                <a:spcPts val="0"/>
+              </a:spcBef>
+              <a:buNone/>
+            </a:pPr>
+            <a:r>
+              <a:rPr lang="en" sz="1000"/>
+              <a:t>Message displays showing what level they made it to, or a congratulations message for beating the game</a:t>
+            </a:r>
+          </a:p>
+          <a:p>
+            <a:pPr indent="0" lvl="0" marL="0" rtl="0" algn="ctr">
+              <a:spcBef>
+                <a:spcPts val="0"/>
+              </a:spcBef>
+              <a:buNone/>
+            </a:pPr>
+            <a:r>
+              <a:t/>
+            </a:r>
+            <a:endParaRPr sz="1000"/>
+          </a:p>
+        </p:txBody>
+      </p:sp>
+      <p:cxnSp>
+        <p:nvCxnSpPr>
+          <p:cNvPr id="65" name="Shape 65"/>
+          <p:cNvCxnSpPr/>
+          <p:nvPr/>
+        </p:nvCxnSpPr>
+        <p:spPr>
+          <a:xfrm flipH="1">
+            <a:off x="2726375" y="1480525"/>
+            <a:ext cx="2670600" cy="1662900"/>
+          </a:xfrm>
+          <a:prstGeom prst="straightConnector1">
+            <a:avLst/>
+          </a:prstGeom>
+          <a:noFill/>
+          <a:ln cap="flat" cmpd="sng" w="9525">
+            <a:solidFill>
+              <a:schemeClr val="dk2"/>
+            </a:solidFill>
+            <a:prstDash val="solid"/>
+            <a:round/>
+            <a:headEnd len="lg" w="lg" type="none"/>
+            <a:tailEnd len="lg" w="lg" type="triangle"/>
+          </a:ln>
+        </p:spPr>
+      </p:cxnSp>
+      <p:cxnSp>
+        <p:nvCxnSpPr>
+          <p:cNvPr id="66" name="Shape 66"/>
+          <p:cNvCxnSpPr>
+            <a:stCxn id="64" idx="0"/>
+          </p:cNvCxnSpPr>
+          <p:nvPr/>
+        </p:nvCxnSpPr>
+        <p:spPr>
+          <a:xfrm flipH="1" rot="10800000">
+            <a:off x="1727925" y="1486575"/>
+            <a:ext cx="58800" cy="1654800"/>
+          </a:xfrm>
+          <a:prstGeom prst="straightConnector1">
+            <a:avLst/>
+          </a:prstGeom>
+          <a:noFill/>
+          <a:ln cap="flat" cmpd="sng" w="9525">
+            <a:solidFill>
+              <a:schemeClr val="dk2"/>
+            </a:solidFill>
+            <a:prstDash val="solid"/>
+            <a:round/>
+            <a:headEnd len="lg" w="lg" type="none"/>
+            <a:tailEnd len="lg" w="lg" type="triangle"/>
+          </a:ln>
+        </p:spPr>
+      </p:cxnSp>
+      <p:sp>
+        <p:nvSpPr>
+          <p:cNvPr id="67" name="Shape 67"/>
+          <p:cNvSpPr txBox="1"/>
+          <p:nvPr/>
+        </p:nvSpPr>
+        <p:spPr>
+          <a:xfrm rot="-5400000">
+            <a:off x="738825" y="2129600"/>
+            <a:ext cx="1644300" cy="333900"/>
+          </a:xfrm>
+          <a:prstGeom prst="rect">
+            <a:avLst/>
+          </a:prstGeom>
+          <a:noFill/>
+          <a:ln>
+            <a:noFill/>
+          </a:ln>
+        </p:spPr>
+        <p:txBody>
+          <a:bodyPr anchorCtr="0" anchor="t" bIns="91425" lIns="91425" rIns="91425" wrap="square" tIns="91425">
+            <a:noAutofit/>
+          </a:bodyPr>
+          <a:lstStyle/>
+          <a:p>
+            <a:pPr indent="0" lvl="0" marL="0">
+              <a:spcBef>
+                <a:spcPts val="0"/>
+              </a:spcBef>
+              <a:buNone/>
+            </a:pPr>
+            <a:r>
+              <a:rPr lang="en" sz="1000"/>
+              <a:t>User taps the end screen</a:t>
             </a:r>
           </a:p>
         </p:txBody>
@@ -4027,6 +4585,285 @@
 </file>
 
 <file path=ppt/theme/theme1.xml><?xml version="1.0" encoding="utf-8"?>
+<a:theme xmlns:a="http://schemas.openxmlformats.org/drawingml/2006/main" xmlns:r="http://schemas.openxmlformats.org/officeDocument/2006/relationships" name="Custom Theme">
+  <a:themeElements>
+    <a:clrScheme name="Default">
+      <a:dk1>
+        <a:srgbClr val="000000"/>
+      </a:dk1>
+      <a:lt1>
+        <a:srgbClr val="FFFFFF"/>
+      </a:lt1>
+      <a:dk2>
+        <a:srgbClr val="158158"/>
+      </a:dk2>
+      <a:lt2>
+        <a:srgbClr val="F3F3F3"/>
+      </a:lt2>
+      <a:accent1>
+        <a:srgbClr val="058DC7"/>
+      </a:accent1>
+      <a:accent2>
+        <a:srgbClr val="50B432"/>
+      </a:accent2>
+      <a:accent3>
+        <a:srgbClr val="ED561B"/>
+      </a:accent3>
+      <a:accent4>
+        <a:srgbClr val="EDEF00"/>
+      </a:accent4>
+      <a:accent5>
+        <a:srgbClr val="24CBE5"/>
+      </a:accent5>
+      <a:accent6>
+        <a:srgbClr val="64E572"/>
+      </a:accent6>
+      <a:hlink>
+        <a:srgbClr val="2200CC"/>
+      </a:hlink>
+      <a:folHlink>
+        <a:srgbClr val="551A8B"/>
+      </a:folHlink>
+    </a:clrScheme>
+    <a:fontScheme name="Office">
+      <a:majorFont>
+        <a:latin typeface="Arial"/>
+        <a:ea typeface=""/>
+        <a:cs typeface=""/>
+        <a:font script="Jpan" typeface="ＭＳ Ｐゴシック"/>
+        <a:font script="Hang" typeface="맑은 고딕"/>
+        <a:font script="Hans" typeface="宋体"/>
+        <a:font script="Hant" typeface="新細明體"/>
+        <a:font script="Arab" typeface="Times New Roman"/>
+        <a:font script="Hebr" typeface="Times New Roman"/>
+        <a:font script="Thai" typeface="Angsana New"/>
+        <a:font script="Ethi" typeface="Nyala"/>
+        <a:font script="Beng" typeface="Vrinda"/>
+        <a:font script="Gujr" typeface="Shruti"/>
+        <a:font script="Khmr" typeface="MoolBoran"/>
+        <a:font script="Knda" typeface="Tunga"/>
+        <a:font script="Guru" typeface="Raavi"/>
+        <a:font script="Cans" typeface="Euphemia"/>
+        <a:font script="Cher" typeface="Plantagenet Cherokee"/>
+        <a:font script="Yiii" typeface="Microsoft Yi Baiti"/>
+        <a:font script="Tibt" typeface="Microsoft Himalaya"/>
+        <a:font script="Thaa" typeface="MV Boli"/>
+        <a:font script="Deva" typeface="Mangal"/>
+        <a:font script="Telu" typeface="Gautami"/>
+        <a:font script="Taml" typeface="Latha"/>
+        <a:font script="Syrc" typeface="Estrangelo Edessa"/>
+        <a:font script="Orya" typeface="Kalinga"/>
+        <a:font script="Mlym" typeface="Kartika"/>
+        <a:font script="Laoo" typeface="DokChampa"/>
+        <a:font script="Sinh" typeface="Iskoola Pota"/>
+        <a:font script="Mong" typeface="Mongolian Baiti"/>
+        <a:font script="Viet" typeface="Times New Roman"/>
+        <a:font script="Uigh" typeface="Microsoft Uighur"/>
+        <a:font script="Geor" typeface="Sylfaen"/>
+      </a:majorFont>
+      <a:minorFont>
+        <a:latin typeface="Arial"/>
+        <a:ea typeface=""/>
+        <a:cs typeface=""/>
+        <a:font script="Jpan" typeface="ＭＳ Ｐゴシック"/>
+        <a:font script="Hang" typeface="맑은 고딕"/>
+        <a:font script="Hans" typeface="宋体"/>
+        <a:font script="Hant" typeface="新細明體"/>
+        <a:font script="Arab" typeface="Arial"/>
+        <a:font script="Hebr" typeface="Arial"/>
+        <a:font script="Thai" typeface="Cordia New"/>
+        <a:font script="Ethi" typeface="Nyala"/>
+        <a:font script="Beng" typeface="Vrinda"/>
+        <a:font script="Gujr" typeface="Shruti"/>
+        <a:font script="Khmr" typeface="DaunPenh"/>
+        <a:font script="Knda" typeface="Tunga"/>
+        <a:font script="Guru" typeface="Raavi"/>
+        <a:font script="Cans" typeface="Euphemia"/>
+        <a:font script="Cher" typeface="Plantagenet Cherokee"/>
+        <a:font script="Yiii" typeface="Microsoft Yi Baiti"/>
+        <a:font script="Tibt" typeface="Microsoft Himalaya"/>
+        <a:font script="Thaa" typeface="MV Boli"/>
+        <a:font script="Deva" typeface="Mangal"/>
+        <a:font script="Telu" typeface="Gautami"/>
+        <a:font script="Taml" typeface="Latha"/>
+        <a:font script="Syrc" typeface="Estrangelo Edessa"/>
+        <a:font script="Orya" typeface="Kalinga"/>
+        <a:font script="Mlym" typeface="Kartika"/>
+        <a:font script="Laoo" typeface="DokChampa"/>
+        <a:font script="Sinh" typeface="Iskoola Pota"/>
+        <a:font script="Mong" typeface="Mongolian Baiti"/>
+        <a:font script="Viet" typeface="Arial"/>
+        <a:font script="Uigh" typeface="Microsoft Uighur"/>
+        <a:font script="Geor" typeface="Sylfaen"/>
+      </a:minorFont>
+    </a:fontScheme>
+    <a:fmtScheme name="Office">
+      <a:fillStyleLst>
+        <a:solidFill>
+          <a:schemeClr val="phClr"/>
+        </a:solidFill>
+        <a:gradFill rotWithShape="1">
+          <a:gsLst>
+            <a:gs pos="0">
+              <a:schemeClr val="phClr">
+                <a:tint val="50000"/>
+                <a:satMod val="300000"/>
+              </a:schemeClr>
+            </a:gs>
+            <a:gs pos="35000">
+              <a:schemeClr val="phClr">
+                <a:tint val="37000"/>
+                <a:satMod val="300000"/>
+              </a:schemeClr>
+            </a:gs>
+            <a:gs pos="100000">
+              <a:schemeClr val="phClr">
+                <a:tint val="15000"/>
+                <a:satMod val="350000"/>
+              </a:schemeClr>
+            </a:gs>
+          </a:gsLst>
+          <a:lin ang="16200000" scaled="1"/>
+        </a:gradFill>
+        <a:gradFill rotWithShape="1">
+          <a:gsLst>
+            <a:gs pos="0">
+              <a:schemeClr val="phClr">
+                <a:tint val="100000"/>
+                <a:shade val="100000"/>
+                <a:satMod val="130000"/>
+              </a:schemeClr>
+            </a:gs>
+            <a:gs pos="100000">
+              <a:schemeClr val="phClr">
+                <a:tint val="50000"/>
+                <a:shade val="100000"/>
+                <a:satMod val="350000"/>
+              </a:schemeClr>
+            </a:gs>
+          </a:gsLst>
+          <a:lin ang="16200000" scaled="0"/>
+        </a:gradFill>
+      </a:fillStyleLst>
+      <a:lnStyleLst>
+        <a:ln w="9525" cap="flat" cmpd="sng" algn="ctr">
+          <a:solidFill>
+            <a:schemeClr val="phClr">
+              <a:shade val="95000"/>
+              <a:satMod val="105000"/>
+            </a:schemeClr>
+          </a:solidFill>
+          <a:prstDash val="solid"/>
+        </a:ln>
+        <a:ln w="25400" cap="flat" cmpd="sng" algn="ctr">
+          <a:solidFill>
+            <a:schemeClr val="phClr"/>
+          </a:solidFill>
+          <a:prstDash val="solid"/>
+        </a:ln>
+        <a:ln w="38100" cap="flat" cmpd="sng" algn="ctr">
+          <a:solidFill>
+            <a:schemeClr val="phClr"/>
+          </a:solidFill>
+          <a:prstDash val="solid"/>
+        </a:ln>
+      </a:lnStyleLst>
+      <a:effectStyleLst>
+        <a:effectStyle>
+          <a:effectLst>
+            <a:outerShdw blurRad="40000" dist="20000" dir="5400000" rotWithShape="0">
+              <a:srgbClr val="000000">
+                <a:alpha val="38000"/>
+              </a:srgbClr>
+            </a:outerShdw>
+          </a:effectLst>
+        </a:effectStyle>
+        <a:effectStyle>
+          <a:effectLst>
+            <a:outerShdw blurRad="40000" dist="23000" dir="5400000" rotWithShape="0">
+              <a:srgbClr val="000000">
+                <a:alpha val="35000"/>
+              </a:srgbClr>
+            </a:outerShdw>
+          </a:effectLst>
+        </a:effectStyle>
+        <a:effectStyle>
+          <a:effectLst>
+            <a:outerShdw blurRad="40000" dist="23000" dir="5400000" rotWithShape="0">
+              <a:srgbClr val="000000">
+                <a:alpha val="35000"/>
+              </a:srgbClr>
+            </a:outerShdw>
+          </a:effectLst>
+          <a:scene3d>
+            <a:camera prst="orthographicFront">
+              <a:rot lat="0" lon="0" rev="0"/>
+            </a:camera>
+            <a:lightRig rig="threePt" dir="t">
+              <a:rot lat="0" lon="0" rev="1200000"/>
+            </a:lightRig>
+          </a:scene3d>
+          <a:sp3d>
+            <a:bevelT w="63500" h="25400"/>
+          </a:sp3d>
+        </a:effectStyle>
+      </a:effectStyleLst>
+      <a:bgFillStyleLst>
+        <a:solidFill>
+          <a:schemeClr val="phClr"/>
+        </a:solidFill>
+        <a:gradFill rotWithShape="1">
+          <a:gsLst>
+            <a:gs pos="0">
+              <a:schemeClr val="phClr">
+                <a:tint val="40000"/>
+                <a:satMod val="350000"/>
+              </a:schemeClr>
+            </a:gs>
+            <a:gs pos="40000">
+              <a:schemeClr val="phClr">
+                <a:tint val="45000"/>
+                <a:shade val="99000"/>
+                <a:satMod val="350000"/>
+              </a:schemeClr>
+            </a:gs>
+            <a:gs pos="100000">
+              <a:schemeClr val="phClr">
+                <a:shade val="20000"/>
+                <a:satMod val="255000"/>
+              </a:schemeClr>
+            </a:gs>
+          </a:gsLst>
+          <a:path path="circle">
+            <a:fillToRect l="50000" t="-80000" r="50000" b="180000"/>
+          </a:path>
+        </a:gradFill>
+        <a:gradFill rotWithShape="1">
+          <a:gsLst>
+            <a:gs pos="0">
+              <a:schemeClr val="phClr">
+                <a:tint val="80000"/>
+                <a:satMod val="300000"/>
+              </a:schemeClr>
+            </a:gs>
+            <a:gs pos="100000">
+              <a:schemeClr val="phClr">
+                <a:shade val="30000"/>
+                <a:satMod val="200000"/>
+              </a:schemeClr>
+            </a:gs>
+          </a:gsLst>
+          <a:path path="circle">
+            <a:fillToRect l="50000" t="50000" r="50000" b="50000"/>
+          </a:path>
+        </a:gradFill>
+      </a:bgFillStyleLst>
+    </a:fmtScheme>
+  </a:themeElements>
+</a:theme>
+</file>
+
+<file path=ppt/theme/theme2.xml><?xml version="1.0" encoding="utf-8"?>
 <a:theme xmlns:a="http://schemas.openxmlformats.org/drawingml/2006/main" xmlns:r="http://schemas.openxmlformats.org/officeDocument/2006/relationships" name="Simple Light">
   <a:themeElements>
     <a:clrScheme name="Simple Light">
@@ -4303,283 +5140,4 @@
     </a:fmtScheme>
   </a:themeElements>
 </a:theme>
-</file>
-
-<file path=ppt/theme/theme2.xml><?xml version="1.0" encoding="utf-8"?>
-<a:theme xmlns:a="http://schemas.openxmlformats.org/drawingml/2006/main" xmlns:r="http://schemas.openxmlformats.org/officeDocument/2006/relationships" name="Custom Theme">
-  <a:themeElements>
-    <a:clrScheme name="Default">
-      <a:dk1>
-        <a:srgbClr val="000000"/>
-      </a:dk1>
-      <a:lt1>
-        <a:srgbClr val="FFFFFF"/>
-      </a:lt1>
-      <a:dk2>
-        <a:srgbClr val="158158"/>
-      </a:dk2>
-      <a:lt2>
-        <a:srgbClr val="F3F3F3"/>
-      </a:lt2>
-      <a:accent1>
-        <a:srgbClr val="058DC7"/>
-      </a:accent1>
-      <a:accent2>
-        <a:srgbClr val="50B432"/>
-      </a:accent2>
-      <a:accent3>
-        <a:srgbClr val="ED561B"/>
-      </a:accent3>
-      <a:accent4>
-        <a:srgbClr val="EDEF00"/>
-      </a:accent4>
-      <a:accent5>
-        <a:srgbClr val="24CBE5"/>
-      </a:accent5>
-      <a:accent6>
-        <a:srgbClr val="64E572"/>
-      </a:accent6>
-      <a:hlink>
-        <a:srgbClr val="2200CC"/>
-      </a:hlink>
-      <a:folHlink>
-        <a:srgbClr val="551A8B"/>
-      </a:folHlink>
-    </a:clrScheme>
-    <a:fontScheme name="Office">
-      <a:majorFont>
-        <a:latin typeface="Arial"/>
-        <a:ea typeface=""/>
-        <a:cs typeface=""/>
-        <a:font script="Jpan" typeface="ＭＳ Ｐゴシック"/>
-        <a:font script="Hang" typeface="맑은 고딕"/>
-        <a:font script="Hans" typeface="宋体"/>
-        <a:font script="Hant" typeface="新細明體"/>
-        <a:font script="Arab" typeface="Times New Roman"/>
-        <a:font script="Hebr" typeface="Times New Roman"/>
-        <a:font script="Thai" typeface="Angsana New"/>
-        <a:font script="Ethi" typeface="Nyala"/>
-        <a:font script="Beng" typeface="Vrinda"/>
-        <a:font script="Gujr" typeface="Shruti"/>
-        <a:font script="Khmr" typeface="MoolBoran"/>
-        <a:font script="Knda" typeface="Tunga"/>
-        <a:font script="Guru" typeface="Raavi"/>
-        <a:font script="Cans" typeface="Euphemia"/>
-        <a:font script="Cher" typeface="Plantagenet Cherokee"/>
-        <a:font script="Yiii" typeface="Microsoft Yi Baiti"/>
-        <a:font script="Tibt" typeface="Microsoft Himalaya"/>
-        <a:font script="Thaa" typeface="MV Boli"/>
-        <a:font script="Deva" typeface="Mangal"/>
-        <a:font script="Telu" typeface="Gautami"/>
-        <a:font script="Taml" typeface="Latha"/>
-        <a:font script="Syrc" typeface="Estrangelo Edessa"/>
-        <a:font script="Orya" typeface="Kalinga"/>
-        <a:font script="Mlym" typeface="Kartika"/>
-        <a:font script="Laoo" typeface="DokChampa"/>
-        <a:font script="Sinh" typeface="Iskoola Pota"/>
-        <a:font script="Mong" typeface="Mongolian Baiti"/>
-        <a:font script="Viet" typeface="Times New Roman"/>
-        <a:font script="Uigh" typeface="Microsoft Uighur"/>
-        <a:font script="Geor" typeface="Sylfaen"/>
-      </a:majorFont>
-      <a:minorFont>
-        <a:latin typeface="Arial"/>
-        <a:ea typeface=""/>
-        <a:cs typeface=""/>
-        <a:font script="Jpan" typeface="ＭＳ Ｐゴシック"/>
-        <a:font script="Hang" typeface="맑은 고딕"/>
-        <a:font script="Hans" typeface="宋体"/>
-        <a:font script="Hant" typeface="新細明體"/>
-        <a:font script="Arab" typeface="Arial"/>
-        <a:font script="Hebr" typeface="Arial"/>
-        <a:font script="Thai" typeface="Cordia New"/>
-        <a:font script="Ethi" typeface="Nyala"/>
-        <a:font script="Beng" typeface="Vrinda"/>
-        <a:font script="Gujr" typeface="Shruti"/>
-        <a:font script="Khmr" typeface="DaunPenh"/>
-        <a:font script="Knda" typeface="Tunga"/>
-        <a:font script="Guru" typeface="Raavi"/>
-        <a:font script="Cans" typeface="Euphemia"/>
-        <a:font script="Cher" typeface="Plantagenet Cherokee"/>
-        <a:font script="Yiii" typeface="Microsoft Yi Baiti"/>
-        <a:font script="Tibt" typeface="Microsoft Himalaya"/>
-        <a:font script="Thaa" typeface="MV Boli"/>
-        <a:font script="Deva" typeface="Mangal"/>
-        <a:font script="Telu" typeface="Gautami"/>
-        <a:font script="Taml" typeface="Latha"/>
-        <a:font script="Syrc" typeface="Estrangelo Edessa"/>
-        <a:font script="Orya" typeface="Kalinga"/>
-        <a:font script="Mlym" typeface="Kartika"/>
-        <a:font script="Laoo" typeface="DokChampa"/>
-        <a:font script="Sinh" typeface="Iskoola Pota"/>
-        <a:font script="Mong" typeface="Mongolian Baiti"/>
-        <a:font script="Viet" typeface="Arial"/>
-        <a:font script="Uigh" typeface="Microsoft Uighur"/>
-        <a:font script="Geor" typeface="Sylfaen"/>
-      </a:minorFont>
-    </a:fontScheme>
-    <a:fmtScheme name="Office">
-      <a:fillStyleLst>
-        <a:solidFill>
-          <a:schemeClr val="phClr"/>
-        </a:solidFill>
-        <a:gradFill rotWithShape="1">
-          <a:gsLst>
-            <a:gs pos="0">
-              <a:schemeClr val="phClr">
-                <a:tint val="50000"/>
-                <a:satMod val="300000"/>
-              </a:schemeClr>
-            </a:gs>
-            <a:gs pos="35000">
-              <a:schemeClr val="phClr">
-                <a:tint val="37000"/>
-                <a:satMod val="300000"/>
-              </a:schemeClr>
-            </a:gs>
-            <a:gs pos="100000">
-              <a:schemeClr val="phClr">
-                <a:tint val="15000"/>
-                <a:satMod val="350000"/>
-              </a:schemeClr>
-            </a:gs>
-          </a:gsLst>
-          <a:lin ang="16200000" scaled="1"/>
-        </a:gradFill>
-        <a:gradFill rotWithShape="1">
-          <a:gsLst>
-            <a:gs pos="0">
-              <a:schemeClr val="phClr">
-                <a:tint val="100000"/>
-                <a:shade val="100000"/>
-                <a:satMod val="130000"/>
-              </a:schemeClr>
-            </a:gs>
-            <a:gs pos="100000">
-              <a:schemeClr val="phClr">
-                <a:tint val="50000"/>
-                <a:shade val="100000"/>
-                <a:satMod val="350000"/>
-              </a:schemeClr>
-            </a:gs>
-          </a:gsLst>
-          <a:lin ang="16200000" scaled="0"/>
-        </a:gradFill>
-      </a:fillStyleLst>
-      <a:lnStyleLst>
-        <a:ln w="9525" cap="flat" cmpd="sng" algn="ctr">
-          <a:solidFill>
-            <a:schemeClr val="phClr">
-              <a:shade val="95000"/>
-              <a:satMod val="105000"/>
-            </a:schemeClr>
-          </a:solidFill>
-          <a:prstDash val="solid"/>
-        </a:ln>
-        <a:ln w="25400" cap="flat" cmpd="sng" algn="ctr">
-          <a:solidFill>
-            <a:schemeClr val="phClr"/>
-          </a:solidFill>
-          <a:prstDash val="solid"/>
-        </a:ln>
-        <a:ln w="38100" cap="flat" cmpd="sng" algn="ctr">
-          <a:solidFill>
-            <a:schemeClr val="phClr"/>
-          </a:solidFill>
-          <a:prstDash val="solid"/>
-        </a:ln>
-      </a:lnStyleLst>
-      <a:effectStyleLst>
-        <a:effectStyle>
-          <a:effectLst>
-            <a:outerShdw blurRad="40000" dist="20000" dir="5400000" rotWithShape="0">
-              <a:srgbClr val="000000">
-                <a:alpha val="38000"/>
-              </a:srgbClr>
-            </a:outerShdw>
-          </a:effectLst>
-        </a:effectStyle>
-        <a:effectStyle>
-          <a:effectLst>
-            <a:outerShdw blurRad="40000" dist="23000" dir="5400000" rotWithShape="0">
-              <a:srgbClr val="000000">
-                <a:alpha val="35000"/>
-              </a:srgbClr>
-            </a:outerShdw>
-          </a:effectLst>
-        </a:effectStyle>
-        <a:effectStyle>
-          <a:effectLst>
-            <a:outerShdw blurRad="40000" dist="23000" dir="5400000" rotWithShape="0">
-              <a:srgbClr val="000000">
-                <a:alpha val="35000"/>
-              </a:srgbClr>
-            </a:outerShdw>
-          </a:effectLst>
-          <a:scene3d>
-            <a:camera prst="orthographicFront">
-              <a:rot lat="0" lon="0" rev="0"/>
-            </a:camera>
-            <a:lightRig rig="threePt" dir="t">
-              <a:rot lat="0" lon="0" rev="1200000"/>
-            </a:lightRig>
-          </a:scene3d>
-          <a:sp3d>
-            <a:bevelT w="63500" h="25400"/>
-          </a:sp3d>
-        </a:effectStyle>
-      </a:effectStyleLst>
-      <a:bgFillStyleLst>
-        <a:solidFill>
-          <a:schemeClr val="phClr"/>
-        </a:solidFill>
-        <a:gradFill rotWithShape="1">
-          <a:gsLst>
-            <a:gs pos="0">
-              <a:schemeClr val="phClr">
-                <a:tint val="40000"/>
-                <a:satMod val="350000"/>
-              </a:schemeClr>
-            </a:gs>
-            <a:gs pos="40000">
-              <a:schemeClr val="phClr">
-                <a:tint val="45000"/>
-                <a:shade val="99000"/>
-                <a:satMod val="350000"/>
-              </a:schemeClr>
-            </a:gs>
-            <a:gs pos="100000">
-              <a:schemeClr val="phClr">
-                <a:shade val="20000"/>
-                <a:satMod val="255000"/>
-              </a:schemeClr>
-            </a:gs>
-          </a:gsLst>
-          <a:path path="circle">
-            <a:fillToRect l="50000" t="-80000" r="50000" b="180000"/>
-          </a:path>
-        </a:gradFill>
-        <a:gradFill rotWithShape="1">
-          <a:gsLst>
-            <a:gs pos="0">
-              <a:schemeClr val="phClr">
-                <a:tint val="80000"/>
-                <a:satMod val="300000"/>
-              </a:schemeClr>
-            </a:gs>
-            <a:gs pos="100000">
-              <a:schemeClr val="phClr">
-                <a:shade val="30000"/>
-                <a:satMod val="200000"/>
-              </a:schemeClr>
-            </a:gs>
-          </a:gsLst>
-          <a:path path="circle">
-            <a:fillToRect l="50000" t="50000" r="50000" b="50000"/>
-          </a:path>
-        </a:gradFill>
-      </a:bgFillStyleLst>
-    </a:fmtScheme>
-  </a:themeElements>
-</a:theme>
 </file>